--- a/Run_Repeat_Analysis_Presentation.pptx
+++ b/Run_Repeat_Analysis_Presentation.pptx
@@ -1,6 +1,6 @@
 
 <file path=ppt/presentation.xml><?xml version="1.0" encoding="utf-8"?>
-<p:presentation xmlns:a="http://schemas.openxmlformats.org/drawingml/2006/main" xmlns:r="http://schemas.openxmlformats.org/officeDocument/2006/relationships" xmlns:mc="http://schemas.openxmlformats.org/markup-compatibility/2006" xmlns:mv="urn:schemas-microsoft-com:mac:vml" xmlns:p="http://schemas.openxmlformats.org/presentationml/2006/main" xmlns:c="http://schemas.openxmlformats.org/drawingml/2006/chart" xmlns:dgm="http://schemas.openxmlformats.org/drawingml/2006/diagram" xmlns:o="urn:schemas-microsoft-com:office:office" xmlns:v="urn:schemas-microsoft-com:vml" xmlns:pvml="urn:schemas-microsoft-com:office:powerpoint" xmlns:com="http://schemas.openxmlformats.org/drawingml/2006/compatibility" xmlns:p14="http://schemas.microsoft.com/office/powerpoint/2010/main" xmlns:p15="http://schemas.microsoft.com/office/powerpoint/2012/main" autoCompressPictures="0" embedTrueTypeFonts="1" strictFirstAndLastChars="0" saveSubsetFonts="1">
+<p:presentation xmlns:a="http://schemas.openxmlformats.org/drawingml/2006/main" xmlns:r="http://schemas.openxmlformats.org/officeDocument/2006/relationships" xmlns:mc="http://schemas.openxmlformats.org/markup-compatibility/2006" xmlns:mv="urn:schemas-microsoft-com:mac:vml" xmlns:p="http://schemas.openxmlformats.org/presentationml/2006/main" xmlns:c="http://schemas.openxmlformats.org/drawingml/2006/chart" xmlns:dgm="http://schemas.openxmlformats.org/drawingml/2006/diagram" xmlns:o="urn:schemas-microsoft-com:office:office" xmlns:v="urn:schemas-microsoft-com:vml" xmlns:pvml="urn:schemas-microsoft-com:office:powerpoint" xmlns:com="http://schemas.openxmlformats.org/drawingml/2006/compatibility" xmlns:p14="http://schemas.microsoft.com/office/powerpoint/2010/main" xmlns:p15="http://schemas.microsoft.com/office/powerpoint/2012/main" xmlns:ahyp="http://schemas.microsoft.com/office/drawing/2018/hyperlinkcolor" autoCompressPictures="0" embedTrueTypeFonts="1" strictFirstAndLastChars="0" saveSubsetFonts="1">
   <p:sldMasterIdLst>
     <p:sldMasterId id="2147483659" r:id="rId4"/>
   </p:sldMasterIdLst>
@@ -284,7 +284,7 @@
 </file>
 
 <file path=ppt/notesMasters/notesMaster1.xml><?xml version="1.0" encoding="utf-8"?>
-<p:notesMaster xmlns:a="http://schemas.openxmlformats.org/drawingml/2006/main" xmlns:r="http://schemas.openxmlformats.org/officeDocument/2006/relationships" xmlns:mc="http://schemas.openxmlformats.org/markup-compatibility/2006" xmlns:mv="urn:schemas-microsoft-com:mac:vml" xmlns:p="http://schemas.openxmlformats.org/presentationml/2006/main" xmlns:c="http://schemas.openxmlformats.org/drawingml/2006/chart" xmlns:dgm="http://schemas.openxmlformats.org/drawingml/2006/diagram" xmlns:o="urn:schemas-microsoft-com:office:office" xmlns:v="urn:schemas-microsoft-com:vml" xmlns:pvml="urn:schemas-microsoft-com:office:powerpoint" xmlns:com="http://schemas.openxmlformats.org/drawingml/2006/compatibility" xmlns:p14="http://schemas.microsoft.com/office/powerpoint/2010/main" xmlns:p15="http://schemas.microsoft.com/office/powerpoint/2012/main">
+<p:notesMaster xmlns:a="http://schemas.openxmlformats.org/drawingml/2006/main" xmlns:r="http://schemas.openxmlformats.org/officeDocument/2006/relationships" xmlns:mc="http://schemas.openxmlformats.org/markup-compatibility/2006" xmlns:mv="urn:schemas-microsoft-com:mac:vml" xmlns:p="http://schemas.openxmlformats.org/presentationml/2006/main" xmlns:c="http://schemas.openxmlformats.org/drawingml/2006/chart" xmlns:dgm="http://schemas.openxmlformats.org/drawingml/2006/diagram" xmlns:o="urn:schemas-microsoft-com:office:office" xmlns:v="urn:schemas-microsoft-com:vml" xmlns:pvml="urn:schemas-microsoft-com:office:powerpoint" xmlns:com="http://schemas.openxmlformats.org/drawingml/2006/compatibility" xmlns:p14="http://schemas.microsoft.com/office/powerpoint/2010/main" xmlns:p15="http://schemas.microsoft.com/office/powerpoint/2012/main" xmlns:ahyp="http://schemas.microsoft.com/office/drawing/2018/hyperlinkcolor">
   <p:cSld>
     <p:spTree>
       <p:nvGrpSpPr>
@@ -710,7 +710,7 @@
 </file>
 
 <file path=ppt/notesSlides/notesSlide1.xml><?xml version="1.0" encoding="utf-8"?>
-<p:notes xmlns:a="http://schemas.openxmlformats.org/drawingml/2006/main" xmlns:r="http://schemas.openxmlformats.org/officeDocument/2006/relationships" xmlns:mc="http://schemas.openxmlformats.org/markup-compatibility/2006" xmlns:mv="urn:schemas-microsoft-com:mac:vml" xmlns:p="http://schemas.openxmlformats.org/presentationml/2006/main" xmlns:c="http://schemas.openxmlformats.org/drawingml/2006/chart" xmlns:dgm="http://schemas.openxmlformats.org/drawingml/2006/diagram" xmlns:o="urn:schemas-microsoft-com:office:office" xmlns:v="urn:schemas-microsoft-com:vml" xmlns:pvml="urn:schemas-microsoft-com:office:powerpoint" xmlns:com="http://schemas.openxmlformats.org/drawingml/2006/compatibility" xmlns:p14="http://schemas.microsoft.com/office/powerpoint/2010/main" xmlns:p15="http://schemas.microsoft.com/office/powerpoint/2012/main" showMasterPhAnim="0" showMasterSp="0">
+<p:notes xmlns:a="http://schemas.openxmlformats.org/drawingml/2006/main" xmlns:r="http://schemas.openxmlformats.org/officeDocument/2006/relationships" xmlns:mc="http://schemas.openxmlformats.org/markup-compatibility/2006" xmlns:mv="urn:schemas-microsoft-com:mac:vml" xmlns:p="http://schemas.openxmlformats.org/presentationml/2006/main" xmlns:c="http://schemas.openxmlformats.org/drawingml/2006/chart" xmlns:dgm="http://schemas.openxmlformats.org/drawingml/2006/diagram" xmlns:o="urn:schemas-microsoft-com:office:office" xmlns:v="urn:schemas-microsoft-com:vml" xmlns:pvml="urn:schemas-microsoft-com:office:powerpoint" xmlns:com="http://schemas.openxmlformats.org/drawingml/2006/compatibility" xmlns:p14="http://schemas.microsoft.com/office/powerpoint/2010/main" xmlns:p15="http://schemas.microsoft.com/office/powerpoint/2012/main" xmlns:ahyp="http://schemas.microsoft.com/office/drawing/2018/hyperlinkcolor" showMasterPhAnim="0" showMasterSp="0">
   <p:cSld>
     <p:spTree>
       <p:nvGrpSpPr>
@@ -795,23 +795,7 @@
             </a:pPr>
             <a:r>
               <a:rPr lang="en"/>
-              <a:t>What makes a good running shoe to me.</a:t>
-            </a:r>
-            <a:endParaRPr/>
-          </a:p>
-          <a:p>
-            <a:pPr indent="0" lvl="0" marL="0" rtl="0" algn="l">
-              <a:spcBef>
-                <a:spcPts val="0"/>
-              </a:spcBef>
-              <a:spcAft>
-                <a:spcPts val="0"/>
-              </a:spcAft>
-              <a:buNone/>
-            </a:pPr>
-            <a:r>
-              <a:rPr lang="en"/>
-              <a:t>Add more here</a:t>
+              <a:t>As an avid runner myself and I have researched running shoes a lot trying to figure out what was best for me. Running stores try to help you get the best sneaker but that doesn’t always go as planned and what felt good at the store can be awful after your first couple runs. </a:t>
             </a:r>
             <a:endParaRPr/>
           </a:p>
@@ -826,7 +810,7 @@
 </file>
 
 <file path=ppt/notesSlides/notesSlide10.xml><?xml version="1.0" encoding="utf-8"?>
-<p:notes xmlns:a="http://schemas.openxmlformats.org/drawingml/2006/main" xmlns:r="http://schemas.openxmlformats.org/officeDocument/2006/relationships" xmlns:mc="http://schemas.openxmlformats.org/markup-compatibility/2006" xmlns:mv="urn:schemas-microsoft-com:mac:vml" xmlns:p="http://schemas.openxmlformats.org/presentationml/2006/main" xmlns:c="http://schemas.openxmlformats.org/drawingml/2006/chart" xmlns:dgm="http://schemas.openxmlformats.org/drawingml/2006/diagram" xmlns:o="urn:schemas-microsoft-com:office:office" xmlns:v="urn:schemas-microsoft-com:vml" xmlns:pvml="urn:schemas-microsoft-com:office:powerpoint" xmlns:com="http://schemas.openxmlformats.org/drawingml/2006/compatibility" xmlns:p14="http://schemas.microsoft.com/office/powerpoint/2010/main" xmlns:p15="http://schemas.microsoft.com/office/powerpoint/2012/main" showMasterPhAnim="0" showMasterSp="0">
+<p:notes xmlns:a="http://schemas.openxmlformats.org/drawingml/2006/main" xmlns:r="http://schemas.openxmlformats.org/officeDocument/2006/relationships" xmlns:mc="http://schemas.openxmlformats.org/markup-compatibility/2006" xmlns:mv="urn:schemas-microsoft-com:mac:vml" xmlns:p="http://schemas.openxmlformats.org/presentationml/2006/main" xmlns:c="http://schemas.openxmlformats.org/drawingml/2006/chart" xmlns:dgm="http://schemas.openxmlformats.org/drawingml/2006/diagram" xmlns:o="urn:schemas-microsoft-com:office:office" xmlns:v="urn:schemas-microsoft-com:vml" xmlns:pvml="urn:schemas-microsoft-com:office:powerpoint" xmlns:com="http://schemas.openxmlformats.org/drawingml/2006/compatibility" xmlns:p14="http://schemas.microsoft.com/office/powerpoint/2010/main" xmlns:p15="http://schemas.microsoft.com/office/powerpoint/2012/main" xmlns:ahyp="http://schemas.microsoft.com/office/drawing/2018/hyperlinkcolor" showMasterPhAnim="0" showMasterSp="0">
   <p:cSld>
     <p:spTree>
       <p:nvGrpSpPr>
@@ -925,7 +909,7 @@
 </file>
 
 <file path=ppt/notesSlides/notesSlide2.xml><?xml version="1.0" encoding="utf-8"?>
-<p:notes xmlns:a="http://schemas.openxmlformats.org/drawingml/2006/main" xmlns:r="http://schemas.openxmlformats.org/officeDocument/2006/relationships" xmlns:mc="http://schemas.openxmlformats.org/markup-compatibility/2006" xmlns:mv="urn:schemas-microsoft-com:mac:vml" xmlns:p="http://schemas.openxmlformats.org/presentationml/2006/main" xmlns:c="http://schemas.openxmlformats.org/drawingml/2006/chart" xmlns:dgm="http://schemas.openxmlformats.org/drawingml/2006/diagram" xmlns:o="urn:schemas-microsoft-com:office:office" xmlns:v="urn:schemas-microsoft-com:vml" xmlns:pvml="urn:schemas-microsoft-com:office:powerpoint" xmlns:com="http://schemas.openxmlformats.org/drawingml/2006/compatibility" xmlns:p14="http://schemas.microsoft.com/office/powerpoint/2010/main" xmlns:p15="http://schemas.microsoft.com/office/powerpoint/2012/main" showMasterPhAnim="0" showMasterSp="0">
+<p:notes xmlns:a="http://schemas.openxmlformats.org/drawingml/2006/main" xmlns:r="http://schemas.openxmlformats.org/officeDocument/2006/relationships" xmlns:mc="http://schemas.openxmlformats.org/markup-compatibility/2006" xmlns:mv="urn:schemas-microsoft-com:mac:vml" xmlns:p="http://schemas.openxmlformats.org/presentationml/2006/main" xmlns:c="http://schemas.openxmlformats.org/drawingml/2006/chart" xmlns:dgm="http://schemas.openxmlformats.org/drawingml/2006/diagram" xmlns:o="urn:schemas-microsoft-com:office:office" xmlns:v="urn:schemas-microsoft-com:vml" xmlns:pvml="urn:schemas-microsoft-com:office:powerpoint" xmlns:com="http://schemas.openxmlformats.org/drawingml/2006/compatibility" xmlns:p14="http://schemas.microsoft.com/office/powerpoint/2010/main" xmlns:p15="http://schemas.microsoft.com/office/powerpoint/2012/main" xmlns:ahyp="http://schemas.microsoft.com/office/drawing/2018/hyperlinkcolor" showMasterPhAnim="0" showMasterSp="0">
   <p:cSld>
     <p:spTree>
       <p:nvGrpSpPr>
@@ -1010,38 +994,7 @@
             </a:pPr>
             <a:r>
               <a:rPr lang="en"/>
-              <a:t>-Expert Reviewers are selected by the people who run the site, they are mostly elite runners, or runners who have run many races.</a:t>
-            </a:r>
-            <a:endParaRPr/>
-          </a:p>
-          <a:p>
-            <a:pPr indent="0" lvl="0" marL="0" rtl="0" algn="l">
-              <a:spcBef>
-                <a:spcPts val="0"/>
-              </a:spcBef>
-              <a:spcAft>
-                <a:spcPts val="0"/>
-              </a:spcAft>
-              <a:buNone/>
-            </a:pPr>
-            <a:r>
-              <a:rPr lang="en"/>
-              <a:t>-Users can only leave a score review</a:t>
-            </a:r>
-            <a:endParaRPr/>
-          </a:p>
-          <a:p>
-            <a:pPr indent="0" lvl="0" marL="0" rtl="0" algn="l">
-              <a:spcBef>
-                <a:spcPts val="0"/>
-              </a:spcBef>
-              <a:spcAft>
-                <a:spcPts val="0"/>
-              </a:spcAft>
-              <a:buNone/>
-            </a:pPr>
-            <a:r>
-              <a:t/>
+              <a:t>The purpose of this analysis was to see if there were features about a running shoe, such as weight or arch support, that lead to a higher rating on runrepeat.com by their users and experts and could a company capitalize on the trends that have made a shoe highly rated. </a:t>
             </a:r>
             <a:endParaRPr/>
           </a:p>
@@ -1056,7 +1009,7 @@
 </file>
 
 <file path=ppt/notesSlides/notesSlide3.xml><?xml version="1.0" encoding="utf-8"?>
-<p:notes xmlns:a="http://schemas.openxmlformats.org/drawingml/2006/main" xmlns:r="http://schemas.openxmlformats.org/officeDocument/2006/relationships" xmlns:mc="http://schemas.openxmlformats.org/markup-compatibility/2006" xmlns:mv="urn:schemas-microsoft-com:mac:vml" xmlns:p="http://schemas.openxmlformats.org/presentationml/2006/main" xmlns:c="http://schemas.openxmlformats.org/drawingml/2006/chart" xmlns:dgm="http://schemas.openxmlformats.org/drawingml/2006/diagram" xmlns:o="urn:schemas-microsoft-com:office:office" xmlns:v="urn:schemas-microsoft-com:vml" xmlns:pvml="urn:schemas-microsoft-com:office:powerpoint" xmlns:com="http://schemas.openxmlformats.org/drawingml/2006/compatibility" xmlns:p14="http://schemas.microsoft.com/office/powerpoint/2010/main" xmlns:p15="http://schemas.microsoft.com/office/powerpoint/2012/main" showMasterPhAnim="0" showMasterSp="0">
+<p:notes xmlns:a="http://schemas.openxmlformats.org/drawingml/2006/main" xmlns:r="http://schemas.openxmlformats.org/officeDocument/2006/relationships" xmlns:mc="http://schemas.openxmlformats.org/markup-compatibility/2006" xmlns:mv="urn:schemas-microsoft-com:mac:vml" xmlns:p="http://schemas.openxmlformats.org/presentationml/2006/main" xmlns:c="http://schemas.openxmlformats.org/drawingml/2006/chart" xmlns:dgm="http://schemas.openxmlformats.org/drawingml/2006/diagram" xmlns:o="urn:schemas-microsoft-com:office:office" xmlns:v="urn:schemas-microsoft-com:vml" xmlns:pvml="urn:schemas-microsoft-com:office:powerpoint" xmlns:com="http://schemas.openxmlformats.org/drawingml/2006/compatibility" xmlns:p14="http://schemas.microsoft.com/office/powerpoint/2010/main" xmlns:p15="http://schemas.microsoft.com/office/powerpoint/2012/main" xmlns:ahyp="http://schemas.microsoft.com/office/drawing/2018/hyperlinkcolor" showMasterPhAnim="0" showMasterSp="0">
   <p:cSld>
     <p:spTree>
       <p:nvGrpSpPr>
@@ -1140,7 +1093,16 @@
               <a:buNone/>
             </a:pPr>
             <a:r>
-              <a:t/>
+              <a:rPr lang="en"/>
+              <a:t>The data to try and answer this question was scraped from runrepeat.com which claims to be i</a:t>
+            </a:r>
+            <a:r>
+              <a:rPr lang="en"/>
+              <a:t>ndependent</a:t>
+            </a:r>
+            <a:r>
+              <a:rPr lang="en"/>
+              <a:t> from any shoe company, they make money when users buy products after they have clicked a link from a product page. </a:t>
             </a:r>
             <a:endParaRPr/>
           </a:p>
@@ -1155,7 +1117,7 @@
 </file>
 
 <file path=ppt/notesSlides/notesSlide4.xml><?xml version="1.0" encoding="utf-8"?>
-<p:notes xmlns:a="http://schemas.openxmlformats.org/drawingml/2006/main" xmlns:r="http://schemas.openxmlformats.org/officeDocument/2006/relationships" xmlns:mc="http://schemas.openxmlformats.org/markup-compatibility/2006" xmlns:mv="urn:schemas-microsoft-com:mac:vml" xmlns:p="http://schemas.openxmlformats.org/presentationml/2006/main" xmlns:c="http://schemas.openxmlformats.org/drawingml/2006/chart" xmlns:dgm="http://schemas.openxmlformats.org/drawingml/2006/diagram" xmlns:o="urn:schemas-microsoft-com:office:office" xmlns:v="urn:schemas-microsoft-com:vml" xmlns:pvml="urn:schemas-microsoft-com:office:powerpoint" xmlns:com="http://schemas.openxmlformats.org/drawingml/2006/compatibility" xmlns:p14="http://schemas.microsoft.com/office/powerpoint/2010/main" xmlns:p15="http://schemas.microsoft.com/office/powerpoint/2012/main" showMasterPhAnim="0" showMasterSp="0">
+<p:notes xmlns:a="http://schemas.openxmlformats.org/drawingml/2006/main" xmlns:r="http://schemas.openxmlformats.org/officeDocument/2006/relationships" xmlns:mc="http://schemas.openxmlformats.org/markup-compatibility/2006" xmlns:mv="urn:schemas-microsoft-com:mac:vml" xmlns:p="http://schemas.openxmlformats.org/presentationml/2006/main" xmlns:c="http://schemas.openxmlformats.org/drawingml/2006/chart" xmlns:dgm="http://schemas.openxmlformats.org/drawingml/2006/diagram" xmlns:o="urn:schemas-microsoft-com:office:office" xmlns:v="urn:schemas-microsoft-com:vml" xmlns:pvml="urn:schemas-microsoft-com:office:powerpoint" xmlns:com="http://schemas.openxmlformats.org/drawingml/2006/compatibility" xmlns:p14="http://schemas.microsoft.com/office/powerpoint/2010/main" xmlns:p15="http://schemas.microsoft.com/office/powerpoint/2012/main" xmlns:ahyp="http://schemas.microsoft.com/office/drawing/2018/hyperlinkcolor" showMasterPhAnim="0" showMasterSp="0">
   <p:cSld>
     <p:spTree>
       <p:nvGrpSpPr>
@@ -1240,7 +1202,7 @@
             </a:pPr>
             <a:r>
               <a:rPr lang="en"/>
-              <a:t>Heel to top drop means that the heel is higher than the toe, typically anywhere from 0 to 10 mm. Some brands only make 0mm drop shoes.</a:t>
+              <a:t>The dataset contains 2200 different shoes, across 33 brands. I scraped 13 different features of trail and road running shoes. </a:t>
             </a:r>
             <a:endParaRPr/>
           </a:p>
@@ -1256,7 +1218,7 @@
             </a:pPr>
             <a:r>
               <a:rPr lang="en"/>
-              <a:t>‘Core score’ is a metric created by runrepeat.com and is a combination of expert, user and number of reviews. It is important to note that because we don’t exactly know how it is found it could lead to a false conclusion. </a:t>
+              <a:t>‘Core score’ is a metric created by runrepeat.com and is a combination of expert, user and number of reviews. It is important to note that because we don’t exactly know how it is calculated.</a:t>
             </a:r>
             <a:endParaRPr/>
           </a:p>
@@ -1272,7 +1234,7 @@
             </a:pPr>
             <a:r>
               <a:rPr lang="en"/>
-              <a:t>-Expert Reviewers are selected by the people who run the site, they are mostly elite runners, or runners who have run many races.</a:t>
+              <a:t>-Expert Reviewers are selected by the people who run the site who have reviewed many different products already.</a:t>
             </a:r>
             <a:endParaRPr/>
           </a:p>
@@ -1288,7 +1250,7 @@
             </a:pPr>
             <a:r>
               <a:rPr lang="en"/>
-              <a:t>-Users can only leave a score review</a:t>
+              <a:t>-Regular Users can only leave a score review from 1 to 5</a:t>
             </a:r>
             <a:endParaRPr/>
           </a:p>
@@ -1303,7 +1265,7 @@
 </file>
 
 <file path=ppt/notesSlides/notesSlide5.xml><?xml version="1.0" encoding="utf-8"?>
-<p:notes xmlns:a="http://schemas.openxmlformats.org/drawingml/2006/main" xmlns:r="http://schemas.openxmlformats.org/officeDocument/2006/relationships" xmlns:mc="http://schemas.openxmlformats.org/markup-compatibility/2006" xmlns:mv="urn:schemas-microsoft-com:mac:vml" xmlns:p="http://schemas.openxmlformats.org/presentationml/2006/main" xmlns:c="http://schemas.openxmlformats.org/drawingml/2006/chart" xmlns:dgm="http://schemas.openxmlformats.org/drawingml/2006/diagram" xmlns:o="urn:schemas-microsoft-com:office:office" xmlns:v="urn:schemas-microsoft-com:vml" xmlns:pvml="urn:schemas-microsoft-com:office:powerpoint" xmlns:com="http://schemas.openxmlformats.org/drawingml/2006/compatibility" xmlns:p14="http://schemas.microsoft.com/office/powerpoint/2010/main" xmlns:p15="http://schemas.microsoft.com/office/powerpoint/2012/main" showMasterPhAnim="0" showMasterSp="0">
+<p:notes xmlns:a="http://schemas.openxmlformats.org/drawingml/2006/main" xmlns:r="http://schemas.openxmlformats.org/officeDocument/2006/relationships" xmlns:mc="http://schemas.openxmlformats.org/markup-compatibility/2006" xmlns:mv="urn:schemas-microsoft-com:mac:vml" xmlns:p="http://schemas.openxmlformats.org/presentationml/2006/main" xmlns:c="http://schemas.openxmlformats.org/drawingml/2006/chart" xmlns:dgm="http://schemas.openxmlformats.org/drawingml/2006/diagram" xmlns:o="urn:schemas-microsoft-com:office:office" xmlns:v="urn:schemas-microsoft-com:vml" xmlns:pvml="urn:schemas-microsoft-com:office:powerpoint" xmlns:com="http://schemas.openxmlformats.org/drawingml/2006/compatibility" xmlns:p14="http://schemas.microsoft.com/office/powerpoint/2010/main" xmlns:p15="http://schemas.microsoft.com/office/powerpoint/2012/main" xmlns:ahyp="http://schemas.microsoft.com/office/drawing/2018/hyperlinkcolor" showMasterPhAnim="0" showMasterSp="0">
   <p:cSld>
     <p:spTree>
       <p:nvGrpSpPr>
@@ -1388,7 +1350,7 @@
             </a:pPr>
             <a:r>
               <a:rPr lang="en"/>
-              <a:t>If you want to take a moment to see how your favorite brand compares bye core score on the left and expert score on the right.</a:t>
+              <a:t>If you want to take a moment to see how your favorite brand compares by core score on the left and expert score on the right.</a:t>
             </a:r>
             <a:endParaRPr/>
           </a:p>
@@ -1464,7 +1426,7 @@
 </file>
 
 <file path=ppt/notesSlides/notesSlide6.xml><?xml version="1.0" encoding="utf-8"?>
-<p:notes xmlns:a="http://schemas.openxmlformats.org/drawingml/2006/main" xmlns:r="http://schemas.openxmlformats.org/officeDocument/2006/relationships" xmlns:mc="http://schemas.openxmlformats.org/markup-compatibility/2006" xmlns:mv="urn:schemas-microsoft-com:mac:vml" xmlns:p="http://schemas.openxmlformats.org/presentationml/2006/main" xmlns:c="http://schemas.openxmlformats.org/drawingml/2006/chart" xmlns:dgm="http://schemas.openxmlformats.org/drawingml/2006/diagram" xmlns:o="urn:schemas-microsoft-com:office:office" xmlns:v="urn:schemas-microsoft-com:vml" xmlns:pvml="urn:schemas-microsoft-com:office:powerpoint" xmlns:com="http://schemas.openxmlformats.org/drawingml/2006/compatibility" xmlns:p14="http://schemas.microsoft.com/office/powerpoint/2010/main" xmlns:p15="http://schemas.microsoft.com/office/powerpoint/2012/main" showMasterPhAnim="0" showMasterSp="0">
+<p:notes xmlns:a="http://schemas.openxmlformats.org/drawingml/2006/main" xmlns:r="http://schemas.openxmlformats.org/officeDocument/2006/relationships" xmlns:mc="http://schemas.openxmlformats.org/markup-compatibility/2006" xmlns:mv="urn:schemas-microsoft-com:mac:vml" xmlns:p="http://schemas.openxmlformats.org/presentationml/2006/main" xmlns:c="http://schemas.openxmlformats.org/drawingml/2006/chart" xmlns:dgm="http://schemas.openxmlformats.org/drawingml/2006/diagram" xmlns:o="urn:schemas-microsoft-com:office:office" xmlns:v="urn:schemas-microsoft-com:vml" xmlns:pvml="urn:schemas-microsoft-com:office:powerpoint" xmlns:com="http://schemas.openxmlformats.org/drawingml/2006/compatibility" xmlns:p14="http://schemas.microsoft.com/office/powerpoint/2010/main" xmlns:p15="http://schemas.microsoft.com/office/powerpoint/2012/main" xmlns:ahyp="http://schemas.microsoft.com/office/drawing/2018/hyperlinkcolor" showMasterPhAnim="0" showMasterSp="0">
   <p:cSld>
     <p:spTree>
       <p:nvGrpSpPr>
@@ -1482,7 +1444,7 @@
       </p:grpSpPr>
       <p:sp>
         <p:nvSpPr>
-          <p:cNvPr id="93" name="Google Shape;93;g8cd2be9d7c_0_1225:notes"/>
+          <p:cNvPr id="93" name="Google Shape;93;g8cd2be9d7c_0_1239:notes"/>
           <p:cNvSpPr/>
           <p:nvPr>
             <p:ph idx="2" type="sldImg"/>
@@ -1517,7 +1479,7 @@
       </p:sp>
       <p:sp>
         <p:nvSpPr>
-          <p:cNvPr id="94" name="Google Shape;94;g8cd2be9d7c_0_1225:notes"/>
+          <p:cNvPr id="94" name="Google Shape;94;g8cd2be9d7c_0_1239:notes"/>
           <p:cNvSpPr txBox="1"/>
           <p:nvPr>
             <p:ph idx="1" type="body"/>
@@ -1549,86 +1511,15 @@
             </a:pPr>
             <a:r>
               <a:rPr lang="en"/>
-              <a:t>Green = stability </a:t>
+              <a:t>There is no correlation between a more expensive shoe and </a:t>
             </a:r>
-            <a:endParaRPr/>
-          </a:p>
-          <a:p>
-            <a:pPr indent="0" lvl="0" marL="0" rtl="0" algn="l">
-              <a:spcBef>
-                <a:spcPts val="0"/>
-              </a:spcBef>
-              <a:spcAft>
-                <a:spcPts val="0"/>
-              </a:spcAft>
-              <a:buNone/>
-            </a:pPr>
             <a:r>
               <a:rPr lang="en"/>
-              <a:t>Red = neutral</a:t>
+              <a:t>receiving</a:t>
             </a:r>
-            <a:endParaRPr/>
-          </a:p>
-          <a:p>
-            <a:pPr indent="0" lvl="0" marL="0" rtl="0" algn="l">
-              <a:spcBef>
-                <a:spcPts val="0"/>
-              </a:spcBef>
-              <a:spcAft>
-                <a:spcPts val="0"/>
-              </a:spcAft>
-              <a:buNone/>
-            </a:pPr>
             <a:r>
               <a:rPr lang="en"/>
-              <a:t>Blue = motion control</a:t>
-            </a:r>
-            <a:endParaRPr/>
-          </a:p>
-          <a:p>
-            <a:pPr indent="0" lvl="0" marL="0" rtl="0" algn="l">
-              <a:spcBef>
-                <a:spcPts val="0"/>
-              </a:spcBef>
-              <a:spcAft>
-                <a:spcPts val="0"/>
-              </a:spcAft>
-              <a:buNone/>
-            </a:pPr>
-            <a:r>
-              <a:rPr lang="en"/>
-              <a:t>Although, motion control is the highest rated it is not much higher than stability and neutral shoes</a:t>
-            </a:r>
-            <a:endParaRPr/>
-          </a:p>
-          <a:p>
-            <a:pPr indent="0" lvl="0" marL="0" rtl="0" algn="l">
-              <a:spcBef>
-                <a:spcPts val="0"/>
-              </a:spcBef>
-              <a:spcAft>
-                <a:spcPts val="0"/>
-              </a:spcAft>
-              <a:buNone/>
-            </a:pPr>
-            <a:r>
-              <a:rPr lang="en"/>
-              <a:t>Change chart to match arch support</a:t>
-            </a:r>
-            <a:endParaRPr/>
-          </a:p>
-          <a:p>
-            <a:pPr indent="0" lvl="0" marL="0" rtl="0" algn="l">
-              <a:spcBef>
-                <a:spcPts val="0"/>
-              </a:spcBef>
-              <a:spcAft>
-                <a:spcPts val="0"/>
-              </a:spcAft>
-              <a:buNone/>
-            </a:pPr>
-            <a:r>
-              <a:t/>
+              <a:t> a higher rating both in the core score and just among expert reviews. </a:t>
             </a:r>
             <a:endParaRPr/>
           </a:p>
@@ -1643,11 +1534,11 @@
 </file>
 
 <file path=ppt/notesSlides/notesSlide7.xml><?xml version="1.0" encoding="utf-8"?>
-<p:notes xmlns:a="http://schemas.openxmlformats.org/drawingml/2006/main" xmlns:r="http://schemas.openxmlformats.org/officeDocument/2006/relationships" xmlns:mc="http://schemas.openxmlformats.org/markup-compatibility/2006" xmlns:mv="urn:schemas-microsoft-com:mac:vml" xmlns:p="http://schemas.openxmlformats.org/presentationml/2006/main" xmlns:c="http://schemas.openxmlformats.org/drawingml/2006/chart" xmlns:dgm="http://schemas.openxmlformats.org/drawingml/2006/diagram" xmlns:o="urn:schemas-microsoft-com:office:office" xmlns:v="urn:schemas-microsoft-com:vml" xmlns:pvml="urn:schemas-microsoft-com:office:powerpoint" xmlns:com="http://schemas.openxmlformats.org/drawingml/2006/compatibility" xmlns:p14="http://schemas.microsoft.com/office/powerpoint/2010/main" xmlns:p15="http://schemas.microsoft.com/office/powerpoint/2012/main" showMasterPhAnim="0" showMasterSp="0">
+<p:notes xmlns:a="http://schemas.openxmlformats.org/drawingml/2006/main" xmlns:r="http://schemas.openxmlformats.org/officeDocument/2006/relationships" xmlns:mc="http://schemas.openxmlformats.org/markup-compatibility/2006" xmlns:mv="urn:schemas-microsoft-com:mac:vml" xmlns:p="http://schemas.openxmlformats.org/presentationml/2006/main" xmlns:c="http://schemas.openxmlformats.org/drawingml/2006/chart" xmlns:dgm="http://schemas.openxmlformats.org/drawingml/2006/diagram" xmlns:o="urn:schemas-microsoft-com:office:office" xmlns:v="urn:schemas-microsoft-com:vml" xmlns:pvml="urn:schemas-microsoft-com:office:powerpoint" xmlns:com="http://schemas.openxmlformats.org/drawingml/2006/compatibility" xmlns:p14="http://schemas.microsoft.com/office/powerpoint/2010/main" xmlns:p15="http://schemas.microsoft.com/office/powerpoint/2012/main" xmlns:ahyp="http://schemas.microsoft.com/office/drawing/2018/hyperlinkcolor" showMasterPhAnim="0" showMasterSp="0">
   <p:cSld>
     <p:spTree>
       <p:nvGrpSpPr>
-        <p:cNvPr id="97" name="Shape 97"/>
+        <p:cNvPr id="99" name="Shape 99"/>
         <p:cNvGrpSpPr/>
         <p:nvPr/>
       </p:nvGrpSpPr>
@@ -1661,7 +1552,7 @@
       </p:grpSpPr>
       <p:sp>
         <p:nvSpPr>
-          <p:cNvPr id="98" name="Google Shape;98;g8cd2be9d7c_0_1239:notes"/>
+          <p:cNvPr id="100" name="Google Shape;100;g8cd2be9d7c_0_1225:notes"/>
           <p:cNvSpPr/>
           <p:nvPr>
             <p:ph idx="2" type="sldImg"/>
@@ -1696,7 +1587,7 @@
       </p:sp>
       <p:sp>
         <p:nvSpPr>
-          <p:cNvPr id="99" name="Google Shape;99;g8cd2be9d7c_0_1239:notes"/>
+          <p:cNvPr id="101" name="Google Shape;101;g8cd2be9d7c_0_1225:notes"/>
           <p:cNvSpPr txBox="1"/>
           <p:nvPr>
             <p:ph idx="1" type="body"/>
@@ -1728,15 +1619,22 @@
             </a:pPr>
             <a:r>
               <a:rPr lang="en"/>
-              <a:t>There is no correlation between a more expensive shoe and </a:t>
+              <a:t>We can see the median of each arch support is very close, interestingly, Motion Control has the least variation but is the smallest sample, only 22 shoes were classified as motion control. Most shoes were classified as Neutral. There is not any real difference. </a:t>
             </a:r>
+            <a:endParaRPr/>
+          </a:p>
+          <a:p>
+            <a:pPr indent="0" lvl="0" marL="0" rtl="0" algn="l">
+              <a:spcBef>
+                <a:spcPts val="0"/>
+              </a:spcBef>
+              <a:spcAft>
+                <a:spcPts val="0"/>
+              </a:spcAft>
+              <a:buNone/>
+            </a:pPr>
             <a:r>
-              <a:rPr lang="en"/>
-              <a:t>receiving</a:t>
-            </a:r>
-            <a:r>
-              <a:rPr lang="en"/>
-              <a:t> a higher rating both in the core score and just among expert reviews. </a:t>
+              <a:t/>
             </a:r>
             <a:endParaRPr/>
           </a:p>
@@ -1751,7 +1649,7 @@
 </file>
 
 <file path=ppt/notesSlides/notesSlide8.xml><?xml version="1.0" encoding="utf-8"?>
-<p:notes xmlns:a="http://schemas.openxmlformats.org/drawingml/2006/main" xmlns:r="http://schemas.openxmlformats.org/officeDocument/2006/relationships" xmlns:mc="http://schemas.openxmlformats.org/markup-compatibility/2006" xmlns:mv="urn:schemas-microsoft-com:mac:vml" xmlns:p="http://schemas.openxmlformats.org/presentationml/2006/main" xmlns:c="http://schemas.openxmlformats.org/drawingml/2006/chart" xmlns:dgm="http://schemas.openxmlformats.org/drawingml/2006/diagram" xmlns:o="urn:schemas-microsoft-com:office:office" xmlns:v="urn:schemas-microsoft-com:vml" xmlns:pvml="urn:schemas-microsoft-com:office:powerpoint" xmlns:com="http://schemas.openxmlformats.org/drawingml/2006/compatibility" xmlns:p14="http://schemas.microsoft.com/office/powerpoint/2010/main" xmlns:p15="http://schemas.microsoft.com/office/powerpoint/2012/main" showMasterPhAnim="0" showMasterSp="0">
+<p:notes xmlns:a="http://schemas.openxmlformats.org/drawingml/2006/main" xmlns:r="http://schemas.openxmlformats.org/officeDocument/2006/relationships" xmlns:mc="http://schemas.openxmlformats.org/markup-compatibility/2006" xmlns:mv="urn:schemas-microsoft-com:mac:vml" xmlns:p="http://schemas.openxmlformats.org/presentationml/2006/main" xmlns:c="http://schemas.openxmlformats.org/drawingml/2006/chart" xmlns:dgm="http://schemas.openxmlformats.org/drawingml/2006/diagram" xmlns:o="urn:schemas-microsoft-com:office:office" xmlns:v="urn:schemas-microsoft-com:vml" xmlns:pvml="urn:schemas-microsoft-com:office:powerpoint" xmlns:com="http://schemas.openxmlformats.org/drawingml/2006/compatibility" xmlns:p14="http://schemas.microsoft.com/office/powerpoint/2010/main" xmlns:p15="http://schemas.microsoft.com/office/powerpoint/2012/main" xmlns:ahyp="http://schemas.microsoft.com/office/drawing/2018/hyperlinkcolor" showMasterPhAnim="0" showMasterSp="0">
   <p:cSld>
     <p:spTree>
       <p:nvGrpSpPr>
@@ -1852,7 +1750,7 @@
             </a:r>
             <a:r>
               <a:rPr lang="en"/>
-              <a:t> wide toe box. One possible reason for this, is that zero drop shoes initially put more strain on your achilles than a typical runner may be used to. It is recommend that after switching to a zero drop shoe, that you reduce the length of your runs to not injure yourself. This could be important information that Altra may want to consider pointing out to adapters of their sneaker to avoid new customers from thinking the shoe is giving them pain.</a:t>
+              <a:t> wide toe box. One possible reason for this, is that zero drop shoes initially put more strain on your achilles than a typical runner may be used to. It is recommend that after switching to a zero drop shoe, that you reduce the length of your runs to not injure yourself. This could be important information that Altra may want to consider pointing out to adapters of their sneaker to avoid new customers from thinking the shoe is giving them pain. </a:t>
             </a:r>
             <a:endParaRPr/>
           </a:p>
@@ -1867,7 +1765,7 @@
 </file>
 
 <file path=ppt/notesSlides/notesSlide9.xml><?xml version="1.0" encoding="utf-8"?>
-<p:notes xmlns:a="http://schemas.openxmlformats.org/drawingml/2006/main" xmlns:r="http://schemas.openxmlformats.org/officeDocument/2006/relationships" xmlns:mc="http://schemas.openxmlformats.org/markup-compatibility/2006" xmlns:mv="urn:schemas-microsoft-com:mac:vml" xmlns:p="http://schemas.openxmlformats.org/presentationml/2006/main" xmlns:c="http://schemas.openxmlformats.org/drawingml/2006/chart" xmlns:dgm="http://schemas.openxmlformats.org/drawingml/2006/diagram" xmlns:o="urn:schemas-microsoft-com:office:office" xmlns:v="urn:schemas-microsoft-com:vml" xmlns:pvml="urn:schemas-microsoft-com:office:powerpoint" xmlns:com="http://schemas.openxmlformats.org/drawingml/2006/compatibility" xmlns:p14="http://schemas.microsoft.com/office/powerpoint/2010/main" xmlns:p15="http://schemas.microsoft.com/office/powerpoint/2012/main" showMasterPhAnim="0" showMasterSp="0">
+<p:notes xmlns:a="http://schemas.openxmlformats.org/drawingml/2006/main" xmlns:r="http://schemas.openxmlformats.org/officeDocument/2006/relationships" xmlns:mc="http://schemas.openxmlformats.org/markup-compatibility/2006" xmlns:mv="urn:schemas-microsoft-com:mac:vml" xmlns:p="http://schemas.openxmlformats.org/presentationml/2006/main" xmlns:c="http://schemas.openxmlformats.org/drawingml/2006/chart" xmlns:dgm="http://schemas.openxmlformats.org/drawingml/2006/diagram" xmlns:o="urn:schemas-microsoft-com:office:office" xmlns:v="urn:schemas-microsoft-com:vml" xmlns:pvml="urn:schemas-microsoft-com:office:powerpoint" xmlns:com="http://schemas.openxmlformats.org/drawingml/2006/compatibility" xmlns:p14="http://schemas.microsoft.com/office/powerpoint/2010/main" xmlns:p15="http://schemas.microsoft.com/office/powerpoint/2012/main" xmlns:ahyp="http://schemas.microsoft.com/office/drawing/2018/hyperlinkcolor" showMasterPhAnim="0" showMasterSp="0">
   <p:cSld>
     <p:spTree>
       <p:nvGrpSpPr>
@@ -1885,7 +1783,7 @@
       </p:grpSpPr>
       <p:sp>
         <p:nvSpPr>
-          <p:cNvPr id="110" name="Google Shape;110;g8cd2be9d7c_0_1253:notes"/>
+          <p:cNvPr id="110" name="Google Shape;110;g8ea7e7806d_0_5:notes"/>
           <p:cNvSpPr/>
           <p:nvPr>
             <p:ph idx="2" type="sldImg"/>
@@ -1920,7 +1818,7 @@
       </p:sp>
       <p:sp>
         <p:nvSpPr>
-          <p:cNvPr id="111" name="Google Shape;111;g8cd2be9d7c_0_1253:notes"/>
+          <p:cNvPr id="111" name="Google Shape;111;g8ea7e7806d_0_5:notes"/>
           <p:cNvSpPr txBox="1"/>
           <p:nvPr>
             <p:ph idx="1" type="body"/>
@@ -1941,17 +1839,19 @@
           </a:bodyPr>
           <a:lstStyle/>
           <a:p>
-            <a:pPr indent="0" lvl="0" marL="0" rtl="0" algn="l">
-              <a:spcBef>
-                <a:spcPts val="0"/>
-              </a:spcBef>
-              <a:spcAft>
-                <a:spcPts val="0"/>
-              </a:spcAft>
-              <a:buNone/>
+            <a:pPr indent="-298450" lvl="0" marL="457200" rtl="0" algn="l">
+              <a:spcBef>
+                <a:spcPts val="0"/>
+              </a:spcBef>
+              <a:spcAft>
+                <a:spcPts val="0"/>
+              </a:spcAft>
+              <a:buSzPts val="1100"/>
+              <a:buChar char="●"/>
             </a:pPr>
             <a:r>
-              <a:t/>
+              <a:rPr lang="en"/>
+              <a:t>So I looked at all the features I had scraped and found no correlation. Every graph looked like the ones I have shown. There was no correlation between a feature and core score, expert score or price. What this proves to me though is that the wide range of products are there not to confuse consumers but to allow consumers to find the product they would want the most. </a:t>
             </a:r>
             <a:endParaRPr/>
           </a:p>
@@ -1966,7 +1866,7 @@
 </file>
 
 <file path=ppt/slideLayouts/slideLayout1.xml><?xml version="1.0" encoding="utf-8"?>
-<p:sldLayout xmlns:a="http://schemas.openxmlformats.org/drawingml/2006/main" xmlns:r="http://schemas.openxmlformats.org/officeDocument/2006/relationships" xmlns:mc="http://schemas.openxmlformats.org/markup-compatibility/2006" xmlns:mv="urn:schemas-microsoft-com:mac:vml" xmlns:p="http://schemas.openxmlformats.org/presentationml/2006/main" xmlns:c="http://schemas.openxmlformats.org/drawingml/2006/chart" xmlns:dgm="http://schemas.openxmlformats.org/drawingml/2006/diagram" xmlns:o="urn:schemas-microsoft-com:office:office" xmlns:v="urn:schemas-microsoft-com:vml" xmlns:pvml="urn:schemas-microsoft-com:office:powerpoint" xmlns:com="http://schemas.openxmlformats.org/drawingml/2006/compatibility" xmlns:p14="http://schemas.microsoft.com/office/powerpoint/2010/main" xmlns:p15="http://schemas.microsoft.com/office/powerpoint/2012/main" matchingName="Title slide" type="title">
+<p:sldLayout xmlns:a="http://schemas.openxmlformats.org/drawingml/2006/main" xmlns:r="http://schemas.openxmlformats.org/officeDocument/2006/relationships" xmlns:mc="http://schemas.openxmlformats.org/markup-compatibility/2006" xmlns:mv="urn:schemas-microsoft-com:mac:vml" xmlns:p="http://schemas.openxmlformats.org/presentationml/2006/main" xmlns:c="http://schemas.openxmlformats.org/drawingml/2006/chart" xmlns:dgm="http://schemas.openxmlformats.org/drawingml/2006/diagram" xmlns:o="urn:schemas-microsoft-com:office:office" xmlns:v="urn:schemas-microsoft-com:vml" xmlns:pvml="urn:schemas-microsoft-com:office:powerpoint" xmlns:com="http://schemas.openxmlformats.org/drawingml/2006/compatibility" xmlns:p14="http://schemas.microsoft.com/office/powerpoint/2010/main" xmlns:p15="http://schemas.microsoft.com/office/powerpoint/2012/main" xmlns:ahyp="http://schemas.microsoft.com/office/drawing/2018/hyperlinkcolor" matchingName="Title slide" type="title">
   <p:cSld name="TITLE">
     <p:spTree>
       <p:nvGrpSpPr>
@@ -2531,7 +2431,7 @@
 </file>
 
 <file path=ppt/slideLayouts/slideLayout10.xml><?xml version="1.0" encoding="utf-8"?>
-<p:sldLayout xmlns:a="http://schemas.openxmlformats.org/drawingml/2006/main" xmlns:r="http://schemas.openxmlformats.org/officeDocument/2006/relationships" xmlns:mc="http://schemas.openxmlformats.org/markup-compatibility/2006" xmlns:mv="urn:schemas-microsoft-com:mac:vml" xmlns:p="http://schemas.openxmlformats.org/presentationml/2006/main" xmlns:c="http://schemas.openxmlformats.org/drawingml/2006/chart" xmlns:dgm="http://schemas.openxmlformats.org/drawingml/2006/diagram" xmlns:o="urn:schemas-microsoft-com:office:office" xmlns:v="urn:schemas-microsoft-com:vml" xmlns:pvml="urn:schemas-microsoft-com:office:powerpoint" xmlns:com="http://schemas.openxmlformats.org/drawingml/2006/compatibility" xmlns:p14="http://schemas.microsoft.com/office/powerpoint/2010/main" xmlns:p15="http://schemas.microsoft.com/office/powerpoint/2012/main" matchingName="Big number">
+<p:sldLayout xmlns:a="http://schemas.openxmlformats.org/drawingml/2006/main" xmlns:r="http://schemas.openxmlformats.org/officeDocument/2006/relationships" xmlns:mc="http://schemas.openxmlformats.org/markup-compatibility/2006" xmlns:mv="urn:schemas-microsoft-com:mac:vml" xmlns:p="http://schemas.openxmlformats.org/presentationml/2006/main" xmlns:c="http://schemas.openxmlformats.org/drawingml/2006/chart" xmlns:dgm="http://schemas.openxmlformats.org/drawingml/2006/diagram" xmlns:o="urn:schemas-microsoft-com:office:office" xmlns:v="urn:schemas-microsoft-com:vml" xmlns:pvml="urn:schemas-microsoft-com:office:powerpoint" xmlns:com="http://schemas.openxmlformats.org/drawingml/2006/compatibility" xmlns:p14="http://schemas.microsoft.com/office/powerpoint/2010/main" xmlns:p15="http://schemas.microsoft.com/office/powerpoint/2012/main" xmlns:ahyp="http://schemas.microsoft.com/office/drawing/2018/hyperlinkcolor" matchingName="Big number">
   <p:cSld name="BIG_NUMBER">
     <p:spTree>
       <p:nvGrpSpPr>
@@ -2993,7 +2893,7 @@
 </file>
 
 <file path=ppt/slideLayouts/slideLayout11.xml><?xml version="1.0" encoding="utf-8"?>
-<p:sldLayout xmlns:a="http://schemas.openxmlformats.org/drawingml/2006/main" xmlns:r="http://schemas.openxmlformats.org/officeDocument/2006/relationships" xmlns:mc="http://schemas.openxmlformats.org/markup-compatibility/2006" xmlns:mv="urn:schemas-microsoft-com:mac:vml" xmlns:p="http://schemas.openxmlformats.org/presentationml/2006/main" xmlns:c="http://schemas.openxmlformats.org/drawingml/2006/chart" xmlns:dgm="http://schemas.openxmlformats.org/drawingml/2006/diagram" xmlns:o="urn:schemas-microsoft-com:office:office" xmlns:v="urn:schemas-microsoft-com:vml" xmlns:pvml="urn:schemas-microsoft-com:office:powerpoint" xmlns:com="http://schemas.openxmlformats.org/drawingml/2006/compatibility" xmlns:p14="http://schemas.microsoft.com/office/powerpoint/2010/main" xmlns:p15="http://schemas.microsoft.com/office/powerpoint/2012/main" matchingName="Blank" type="blank">
+<p:sldLayout xmlns:a="http://schemas.openxmlformats.org/drawingml/2006/main" xmlns:r="http://schemas.openxmlformats.org/officeDocument/2006/relationships" xmlns:mc="http://schemas.openxmlformats.org/markup-compatibility/2006" xmlns:mv="urn:schemas-microsoft-com:mac:vml" xmlns:p="http://schemas.openxmlformats.org/presentationml/2006/main" xmlns:c="http://schemas.openxmlformats.org/drawingml/2006/chart" xmlns:dgm="http://schemas.openxmlformats.org/drawingml/2006/diagram" xmlns:o="urn:schemas-microsoft-com:office:office" xmlns:v="urn:schemas-microsoft-com:vml" xmlns:pvml="urn:schemas-microsoft-com:office:powerpoint" xmlns:com="http://schemas.openxmlformats.org/drawingml/2006/compatibility" xmlns:p14="http://schemas.microsoft.com/office/powerpoint/2010/main" xmlns:p15="http://schemas.microsoft.com/office/powerpoint/2012/main" xmlns:ahyp="http://schemas.microsoft.com/office/drawing/2018/hyperlinkcolor" matchingName="Blank" type="blank">
   <p:cSld name="BLANK">
     <p:spTree>
       <p:nvGrpSpPr>
@@ -3095,7 +2995,7 @@
 </file>
 
 <file path=ppt/slideLayouts/slideLayout2.xml><?xml version="1.0" encoding="utf-8"?>
-<p:sldLayout xmlns:a="http://schemas.openxmlformats.org/drawingml/2006/main" xmlns:r="http://schemas.openxmlformats.org/officeDocument/2006/relationships" xmlns:mc="http://schemas.openxmlformats.org/markup-compatibility/2006" xmlns:mv="urn:schemas-microsoft-com:mac:vml" xmlns:p="http://schemas.openxmlformats.org/presentationml/2006/main" xmlns:c="http://schemas.openxmlformats.org/drawingml/2006/chart" xmlns:dgm="http://schemas.openxmlformats.org/drawingml/2006/diagram" xmlns:o="urn:schemas-microsoft-com:office:office" xmlns:v="urn:schemas-microsoft-com:vml" xmlns:pvml="urn:schemas-microsoft-com:office:powerpoint" xmlns:com="http://schemas.openxmlformats.org/drawingml/2006/compatibility" xmlns:p14="http://schemas.microsoft.com/office/powerpoint/2010/main" xmlns:p15="http://schemas.microsoft.com/office/powerpoint/2012/main" matchingName="Section header" type="secHead">
+<p:sldLayout xmlns:a="http://schemas.openxmlformats.org/drawingml/2006/main" xmlns:r="http://schemas.openxmlformats.org/officeDocument/2006/relationships" xmlns:mc="http://schemas.openxmlformats.org/markup-compatibility/2006" xmlns:mv="urn:schemas-microsoft-com:mac:vml" xmlns:p="http://schemas.openxmlformats.org/presentationml/2006/main" xmlns:c="http://schemas.openxmlformats.org/drawingml/2006/chart" xmlns:dgm="http://schemas.openxmlformats.org/drawingml/2006/diagram" xmlns:o="urn:schemas-microsoft-com:office:office" xmlns:v="urn:schemas-microsoft-com:vml" xmlns:pvml="urn:schemas-microsoft-com:office:powerpoint" xmlns:com="http://schemas.openxmlformats.org/drawingml/2006/compatibility" xmlns:p14="http://schemas.microsoft.com/office/powerpoint/2010/main" xmlns:p15="http://schemas.microsoft.com/office/powerpoint/2012/main" xmlns:ahyp="http://schemas.microsoft.com/office/drawing/2018/hyperlinkcolor" matchingName="Section header" type="secHead">
   <p:cSld name="SECTION_HEADER">
     <p:spTree>
       <p:nvGrpSpPr>
@@ -3401,7 +3301,7 @@
 </file>
 
 <file path=ppt/slideLayouts/slideLayout3.xml><?xml version="1.0" encoding="utf-8"?>
-<p:sldLayout xmlns:a="http://schemas.openxmlformats.org/drawingml/2006/main" xmlns:r="http://schemas.openxmlformats.org/officeDocument/2006/relationships" xmlns:mc="http://schemas.openxmlformats.org/markup-compatibility/2006" xmlns:mv="urn:schemas-microsoft-com:mac:vml" xmlns:p="http://schemas.openxmlformats.org/presentationml/2006/main" xmlns:c="http://schemas.openxmlformats.org/drawingml/2006/chart" xmlns:dgm="http://schemas.openxmlformats.org/drawingml/2006/diagram" xmlns:o="urn:schemas-microsoft-com:office:office" xmlns:v="urn:schemas-microsoft-com:vml" xmlns:pvml="urn:schemas-microsoft-com:office:powerpoint" xmlns:com="http://schemas.openxmlformats.org/drawingml/2006/compatibility" xmlns:p14="http://schemas.microsoft.com/office/powerpoint/2010/main" xmlns:p15="http://schemas.microsoft.com/office/powerpoint/2012/main" matchingName="Title and body" type="tx">
+<p:sldLayout xmlns:a="http://schemas.openxmlformats.org/drawingml/2006/main" xmlns:r="http://schemas.openxmlformats.org/officeDocument/2006/relationships" xmlns:mc="http://schemas.openxmlformats.org/markup-compatibility/2006" xmlns:mv="urn:schemas-microsoft-com:mac:vml" xmlns:p="http://schemas.openxmlformats.org/presentationml/2006/main" xmlns:c="http://schemas.openxmlformats.org/drawingml/2006/chart" xmlns:dgm="http://schemas.openxmlformats.org/drawingml/2006/diagram" xmlns:o="urn:schemas-microsoft-com:office:office" xmlns:v="urn:schemas-microsoft-com:vml" xmlns:pvml="urn:schemas-microsoft-com:office:powerpoint" xmlns:com="http://schemas.openxmlformats.org/drawingml/2006/compatibility" xmlns:p14="http://schemas.microsoft.com/office/powerpoint/2010/main" xmlns:p15="http://schemas.microsoft.com/office/powerpoint/2012/main" xmlns:ahyp="http://schemas.microsoft.com/office/drawing/2018/hyperlinkcolor" matchingName="Title and body" type="tx">
   <p:cSld name="TITLE_AND_BODY">
     <p:spTree>
       <p:nvGrpSpPr>
@@ -3796,7 +3696,7 @@
 </file>
 
 <file path=ppt/slideLayouts/slideLayout4.xml><?xml version="1.0" encoding="utf-8"?>
-<p:sldLayout xmlns:a="http://schemas.openxmlformats.org/drawingml/2006/main" xmlns:r="http://schemas.openxmlformats.org/officeDocument/2006/relationships" xmlns:mc="http://schemas.openxmlformats.org/markup-compatibility/2006" xmlns:mv="urn:schemas-microsoft-com:mac:vml" xmlns:p="http://schemas.openxmlformats.org/presentationml/2006/main" xmlns:c="http://schemas.openxmlformats.org/drawingml/2006/chart" xmlns:dgm="http://schemas.openxmlformats.org/drawingml/2006/diagram" xmlns:o="urn:schemas-microsoft-com:office:office" xmlns:v="urn:schemas-microsoft-com:vml" xmlns:pvml="urn:schemas-microsoft-com:office:powerpoint" xmlns:com="http://schemas.openxmlformats.org/drawingml/2006/compatibility" xmlns:p14="http://schemas.microsoft.com/office/powerpoint/2010/main" xmlns:p15="http://schemas.microsoft.com/office/powerpoint/2012/main" matchingName="Title and two columns" type="twoColTx">
+<p:sldLayout xmlns:a="http://schemas.openxmlformats.org/drawingml/2006/main" xmlns:r="http://schemas.openxmlformats.org/officeDocument/2006/relationships" xmlns:mc="http://schemas.openxmlformats.org/markup-compatibility/2006" xmlns:mv="urn:schemas-microsoft-com:mac:vml" xmlns:p="http://schemas.openxmlformats.org/presentationml/2006/main" xmlns:c="http://schemas.openxmlformats.org/drawingml/2006/chart" xmlns:dgm="http://schemas.openxmlformats.org/drawingml/2006/diagram" xmlns:o="urn:schemas-microsoft-com:office:office" xmlns:v="urn:schemas-microsoft-com:vml" xmlns:pvml="urn:schemas-microsoft-com:office:powerpoint" xmlns:com="http://schemas.openxmlformats.org/drawingml/2006/compatibility" xmlns:p14="http://schemas.microsoft.com/office/powerpoint/2010/main" xmlns:p15="http://schemas.microsoft.com/office/powerpoint/2012/main" xmlns:ahyp="http://schemas.microsoft.com/office/drawing/2018/hyperlinkcolor" matchingName="Title and two columns" type="twoColTx">
   <p:cSld name="TITLE_AND_TWO_COLUMNS">
     <p:spTree>
       <p:nvGrpSpPr>
@@ -4273,7 +4173,7 @@
 </file>
 
 <file path=ppt/slideLayouts/slideLayout5.xml><?xml version="1.0" encoding="utf-8"?>
-<p:sldLayout xmlns:a="http://schemas.openxmlformats.org/drawingml/2006/main" xmlns:r="http://schemas.openxmlformats.org/officeDocument/2006/relationships" xmlns:mc="http://schemas.openxmlformats.org/markup-compatibility/2006" xmlns:mv="urn:schemas-microsoft-com:mac:vml" xmlns:p="http://schemas.openxmlformats.org/presentationml/2006/main" xmlns:c="http://schemas.openxmlformats.org/drawingml/2006/chart" xmlns:dgm="http://schemas.openxmlformats.org/drawingml/2006/diagram" xmlns:o="urn:schemas-microsoft-com:office:office" xmlns:v="urn:schemas-microsoft-com:vml" xmlns:pvml="urn:schemas-microsoft-com:office:powerpoint" xmlns:com="http://schemas.openxmlformats.org/drawingml/2006/compatibility" xmlns:p14="http://schemas.microsoft.com/office/powerpoint/2010/main" xmlns:p15="http://schemas.microsoft.com/office/powerpoint/2012/main" matchingName="Title only" type="titleOnly">
+<p:sldLayout xmlns:a="http://schemas.openxmlformats.org/drawingml/2006/main" xmlns:r="http://schemas.openxmlformats.org/officeDocument/2006/relationships" xmlns:mc="http://schemas.openxmlformats.org/markup-compatibility/2006" xmlns:mv="urn:schemas-microsoft-com:mac:vml" xmlns:p="http://schemas.openxmlformats.org/presentationml/2006/main" xmlns:c="http://schemas.openxmlformats.org/drawingml/2006/chart" xmlns:dgm="http://schemas.openxmlformats.org/drawingml/2006/diagram" xmlns:o="urn:schemas-microsoft-com:office:office" xmlns:v="urn:schemas-microsoft-com:vml" xmlns:pvml="urn:schemas-microsoft-com:office:powerpoint" xmlns:com="http://schemas.openxmlformats.org/drawingml/2006/compatibility" xmlns:p14="http://schemas.microsoft.com/office/powerpoint/2010/main" xmlns:p15="http://schemas.microsoft.com/office/powerpoint/2012/main" xmlns:ahyp="http://schemas.microsoft.com/office/drawing/2018/hyperlinkcolor" matchingName="Title only" type="titleOnly">
   <p:cSld name="TITLE_ONLY">
     <p:spTree>
       <p:nvGrpSpPr>
@@ -4500,7 +4400,7 @@
 </file>
 
 <file path=ppt/slideLayouts/slideLayout6.xml><?xml version="1.0" encoding="utf-8"?>
-<p:sldLayout xmlns:a="http://schemas.openxmlformats.org/drawingml/2006/main" xmlns:r="http://schemas.openxmlformats.org/officeDocument/2006/relationships" xmlns:mc="http://schemas.openxmlformats.org/markup-compatibility/2006" xmlns:mv="urn:schemas-microsoft-com:mac:vml" xmlns:p="http://schemas.openxmlformats.org/presentationml/2006/main" xmlns:c="http://schemas.openxmlformats.org/drawingml/2006/chart" xmlns:dgm="http://schemas.openxmlformats.org/drawingml/2006/diagram" xmlns:o="urn:schemas-microsoft-com:office:office" xmlns:v="urn:schemas-microsoft-com:vml" xmlns:pvml="urn:schemas-microsoft-com:office:powerpoint" xmlns:com="http://schemas.openxmlformats.org/drawingml/2006/compatibility" xmlns:p14="http://schemas.microsoft.com/office/powerpoint/2010/main" xmlns:p15="http://schemas.microsoft.com/office/powerpoint/2012/main" matchingName="One column text">
+<p:sldLayout xmlns:a="http://schemas.openxmlformats.org/drawingml/2006/main" xmlns:r="http://schemas.openxmlformats.org/officeDocument/2006/relationships" xmlns:mc="http://schemas.openxmlformats.org/markup-compatibility/2006" xmlns:mv="urn:schemas-microsoft-com:mac:vml" xmlns:p="http://schemas.openxmlformats.org/presentationml/2006/main" xmlns:c="http://schemas.openxmlformats.org/drawingml/2006/chart" xmlns:dgm="http://schemas.openxmlformats.org/drawingml/2006/diagram" xmlns:o="urn:schemas-microsoft-com:office:office" xmlns:v="urn:schemas-microsoft-com:vml" xmlns:pvml="urn:schemas-microsoft-com:office:powerpoint" xmlns:com="http://schemas.openxmlformats.org/drawingml/2006/compatibility" xmlns:p14="http://schemas.microsoft.com/office/powerpoint/2010/main" xmlns:p15="http://schemas.microsoft.com/office/powerpoint/2012/main" xmlns:ahyp="http://schemas.microsoft.com/office/drawing/2018/hyperlinkcolor" matchingName="One column text">
   <p:cSld name="ONE_COLUMN_TEXT">
     <p:spTree>
       <p:nvGrpSpPr>
@@ -4852,7 +4752,7 @@
 </file>
 
 <file path=ppt/slideLayouts/slideLayout7.xml><?xml version="1.0" encoding="utf-8"?>
-<p:sldLayout xmlns:a="http://schemas.openxmlformats.org/drawingml/2006/main" xmlns:r="http://schemas.openxmlformats.org/officeDocument/2006/relationships" xmlns:mc="http://schemas.openxmlformats.org/markup-compatibility/2006" xmlns:mv="urn:schemas-microsoft-com:mac:vml" xmlns:p="http://schemas.openxmlformats.org/presentationml/2006/main" xmlns:c="http://schemas.openxmlformats.org/drawingml/2006/chart" xmlns:dgm="http://schemas.openxmlformats.org/drawingml/2006/diagram" xmlns:o="urn:schemas-microsoft-com:office:office" xmlns:v="urn:schemas-microsoft-com:vml" xmlns:pvml="urn:schemas-microsoft-com:office:powerpoint" xmlns:com="http://schemas.openxmlformats.org/drawingml/2006/compatibility" xmlns:p14="http://schemas.microsoft.com/office/powerpoint/2010/main" xmlns:p15="http://schemas.microsoft.com/office/powerpoint/2012/main" matchingName="Main point">
+<p:sldLayout xmlns:a="http://schemas.openxmlformats.org/drawingml/2006/main" xmlns:r="http://schemas.openxmlformats.org/officeDocument/2006/relationships" xmlns:mc="http://schemas.openxmlformats.org/markup-compatibility/2006" xmlns:mv="urn:schemas-microsoft-com:mac:vml" xmlns:p="http://schemas.openxmlformats.org/presentationml/2006/main" xmlns:c="http://schemas.openxmlformats.org/drawingml/2006/chart" xmlns:dgm="http://schemas.openxmlformats.org/drawingml/2006/diagram" xmlns:o="urn:schemas-microsoft-com:office:office" xmlns:v="urn:schemas-microsoft-com:vml" xmlns:pvml="urn:schemas-microsoft-com:office:powerpoint" xmlns:com="http://schemas.openxmlformats.org/drawingml/2006/compatibility" xmlns:p14="http://schemas.microsoft.com/office/powerpoint/2010/main" xmlns:p15="http://schemas.microsoft.com/office/powerpoint/2012/main" xmlns:ahyp="http://schemas.microsoft.com/office/drawing/2018/hyperlinkcolor" matchingName="Main point">
   <p:cSld name="MAIN_POINT">
     <p:bg>
       <p:bgPr>
@@ -5149,7 +5049,7 @@
 </file>
 
 <file path=ppt/slideLayouts/slideLayout8.xml><?xml version="1.0" encoding="utf-8"?>
-<p:sldLayout xmlns:a="http://schemas.openxmlformats.org/drawingml/2006/main" xmlns:r="http://schemas.openxmlformats.org/officeDocument/2006/relationships" xmlns:mc="http://schemas.openxmlformats.org/markup-compatibility/2006" xmlns:mv="urn:schemas-microsoft-com:mac:vml" xmlns:p="http://schemas.openxmlformats.org/presentationml/2006/main" xmlns:c="http://schemas.openxmlformats.org/drawingml/2006/chart" xmlns:dgm="http://schemas.openxmlformats.org/drawingml/2006/diagram" xmlns:o="urn:schemas-microsoft-com:office:office" xmlns:v="urn:schemas-microsoft-com:vml" xmlns:pvml="urn:schemas-microsoft-com:office:powerpoint" xmlns:com="http://schemas.openxmlformats.org/drawingml/2006/compatibility" xmlns:p14="http://schemas.microsoft.com/office/powerpoint/2010/main" xmlns:p15="http://schemas.microsoft.com/office/powerpoint/2012/main" matchingName="Section title and description">
+<p:sldLayout xmlns:a="http://schemas.openxmlformats.org/drawingml/2006/main" xmlns:r="http://schemas.openxmlformats.org/officeDocument/2006/relationships" xmlns:mc="http://schemas.openxmlformats.org/markup-compatibility/2006" xmlns:mv="urn:schemas-microsoft-com:mac:vml" xmlns:p="http://schemas.openxmlformats.org/presentationml/2006/main" xmlns:c="http://schemas.openxmlformats.org/drawingml/2006/chart" xmlns:dgm="http://schemas.openxmlformats.org/drawingml/2006/diagram" xmlns:o="urn:schemas-microsoft-com:office:office" xmlns:v="urn:schemas-microsoft-com:vml" xmlns:pvml="urn:schemas-microsoft-com:office:powerpoint" xmlns:com="http://schemas.openxmlformats.org/drawingml/2006/compatibility" xmlns:p14="http://schemas.microsoft.com/office/powerpoint/2010/main" xmlns:p15="http://schemas.microsoft.com/office/powerpoint/2012/main" xmlns:ahyp="http://schemas.microsoft.com/office/drawing/2018/hyperlinkcolor" matchingName="Section title and description">
   <p:cSld name="SECTION_TITLE_AND_DESCRIPTION">
     <p:spTree>
       <p:nvGrpSpPr>
@@ -5821,7 +5721,7 @@
 </file>
 
 <file path=ppt/slideLayouts/slideLayout9.xml><?xml version="1.0" encoding="utf-8"?>
-<p:sldLayout xmlns:a="http://schemas.openxmlformats.org/drawingml/2006/main" xmlns:r="http://schemas.openxmlformats.org/officeDocument/2006/relationships" xmlns:mc="http://schemas.openxmlformats.org/markup-compatibility/2006" xmlns:mv="urn:schemas-microsoft-com:mac:vml" xmlns:p="http://schemas.openxmlformats.org/presentationml/2006/main" xmlns:c="http://schemas.openxmlformats.org/drawingml/2006/chart" xmlns:dgm="http://schemas.openxmlformats.org/drawingml/2006/diagram" xmlns:o="urn:schemas-microsoft-com:office:office" xmlns:v="urn:schemas-microsoft-com:vml" xmlns:pvml="urn:schemas-microsoft-com:office:powerpoint" xmlns:com="http://schemas.openxmlformats.org/drawingml/2006/compatibility" xmlns:p14="http://schemas.microsoft.com/office/powerpoint/2010/main" xmlns:p15="http://schemas.microsoft.com/office/powerpoint/2012/main" matchingName="Caption">
+<p:sldLayout xmlns:a="http://schemas.openxmlformats.org/drawingml/2006/main" xmlns:r="http://schemas.openxmlformats.org/officeDocument/2006/relationships" xmlns:mc="http://schemas.openxmlformats.org/markup-compatibility/2006" xmlns:mv="urn:schemas-microsoft-com:mac:vml" xmlns:p="http://schemas.openxmlformats.org/presentationml/2006/main" xmlns:c="http://schemas.openxmlformats.org/drawingml/2006/chart" xmlns:dgm="http://schemas.openxmlformats.org/drawingml/2006/diagram" xmlns:o="urn:schemas-microsoft-com:office:office" xmlns:v="urn:schemas-microsoft-com:vml" xmlns:pvml="urn:schemas-microsoft-com:office:powerpoint" xmlns:com="http://schemas.openxmlformats.org/drawingml/2006/compatibility" xmlns:p14="http://schemas.microsoft.com/office/powerpoint/2010/main" xmlns:p15="http://schemas.microsoft.com/office/powerpoint/2012/main" xmlns:ahyp="http://schemas.microsoft.com/office/drawing/2018/hyperlinkcolor" matchingName="Caption">
   <p:cSld name="CAPTION_ONLY">
     <p:spTree>
       <p:nvGrpSpPr>
@@ -5969,7 +5869,7 @@
 </file>
 
 <file path=ppt/slideMasters/slideMaster1.xml><?xml version="1.0" encoding="utf-8"?>
-<p:sldMaster xmlns:a="http://schemas.openxmlformats.org/drawingml/2006/main" xmlns:r="http://schemas.openxmlformats.org/officeDocument/2006/relationships" xmlns:mc="http://schemas.openxmlformats.org/markup-compatibility/2006" xmlns:mv="urn:schemas-microsoft-com:mac:vml" xmlns:p="http://schemas.openxmlformats.org/presentationml/2006/main" xmlns:c="http://schemas.openxmlformats.org/drawingml/2006/chart" xmlns:dgm="http://schemas.openxmlformats.org/drawingml/2006/diagram" xmlns:o="urn:schemas-microsoft-com:office:office" xmlns:v="urn:schemas-microsoft-com:vml" xmlns:pvml="urn:schemas-microsoft-com:office:powerpoint" xmlns:com="http://schemas.openxmlformats.org/drawingml/2006/compatibility" xmlns:p14="http://schemas.microsoft.com/office/powerpoint/2010/main" xmlns:p15="http://schemas.microsoft.com/office/powerpoint/2012/main">
+<p:sldMaster xmlns:a="http://schemas.openxmlformats.org/drawingml/2006/main" xmlns:r="http://schemas.openxmlformats.org/officeDocument/2006/relationships" xmlns:mc="http://schemas.openxmlformats.org/markup-compatibility/2006" xmlns:mv="urn:schemas-microsoft-com:mac:vml" xmlns:p="http://schemas.openxmlformats.org/presentationml/2006/main" xmlns:c="http://schemas.openxmlformats.org/drawingml/2006/chart" xmlns:dgm="http://schemas.openxmlformats.org/drawingml/2006/diagram" xmlns:o="urn:schemas-microsoft-com:office:office" xmlns:v="urn:schemas-microsoft-com:vml" xmlns:pvml="urn:schemas-microsoft-com:office:powerpoint" xmlns:com="http://schemas.openxmlformats.org/drawingml/2006/compatibility" xmlns:p14="http://schemas.microsoft.com/office/powerpoint/2010/main" xmlns:p15="http://schemas.microsoft.com/office/powerpoint/2012/main" xmlns:ahyp="http://schemas.microsoft.com/office/drawing/2018/hyperlinkcolor">
   <p:cSld name="tropic">
     <p:bg>
       <p:bgPr>
@@ -7356,7 +7256,7 @@
 </file>
 
 <file path=ppt/slides/slide1.xml><?xml version="1.0" encoding="utf-8"?>
-<p:sld xmlns:a="http://schemas.openxmlformats.org/drawingml/2006/main" xmlns:r="http://schemas.openxmlformats.org/officeDocument/2006/relationships" xmlns:mc="http://schemas.openxmlformats.org/markup-compatibility/2006" xmlns:mv="urn:schemas-microsoft-com:mac:vml" xmlns:p="http://schemas.openxmlformats.org/presentationml/2006/main" xmlns:c="http://schemas.openxmlformats.org/drawingml/2006/chart" xmlns:dgm="http://schemas.openxmlformats.org/drawingml/2006/diagram" xmlns:o="urn:schemas-microsoft-com:office:office" xmlns:v="urn:schemas-microsoft-com:vml" xmlns:pvml="urn:schemas-microsoft-com:office:powerpoint" xmlns:com="http://schemas.openxmlformats.org/drawingml/2006/compatibility" xmlns:p14="http://schemas.microsoft.com/office/powerpoint/2010/main" xmlns:p15="http://schemas.microsoft.com/office/powerpoint/2012/main">
+<p:sld xmlns:a="http://schemas.openxmlformats.org/drawingml/2006/main" xmlns:r="http://schemas.openxmlformats.org/officeDocument/2006/relationships" xmlns:mc="http://schemas.openxmlformats.org/markup-compatibility/2006" xmlns:mv="urn:schemas-microsoft-com:mac:vml" xmlns:p="http://schemas.openxmlformats.org/presentationml/2006/main" xmlns:c="http://schemas.openxmlformats.org/drawingml/2006/chart" xmlns:dgm="http://schemas.openxmlformats.org/drawingml/2006/diagram" xmlns:o="urn:schemas-microsoft-com:office:office" xmlns:v="urn:schemas-microsoft-com:vml" xmlns:pvml="urn:schemas-microsoft-com:office:powerpoint" xmlns:com="http://schemas.openxmlformats.org/drawingml/2006/compatibility" xmlns:p14="http://schemas.microsoft.com/office/powerpoint/2010/main" xmlns:p15="http://schemas.microsoft.com/office/powerpoint/2012/main" xmlns:ahyp="http://schemas.microsoft.com/office/drawing/2018/hyperlinkcolor">
   <p:cSld>
     <p:spTree>
       <p:nvGrpSpPr>
@@ -7461,7 +7361,7 @@
 </file>
 
 <file path=ppt/slides/slide10.xml><?xml version="1.0" encoding="utf-8"?>
-<p:sld xmlns:a="http://schemas.openxmlformats.org/drawingml/2006/main" xmlns:r="http://schemas.openxmlformats.org/officeDocument/2006/relationships" xmlns:mc="http://schemas.openxmlformats.org/markup-compatibility/2006" xmlns:mv="urn:schemas-microsoft-com:mac:vml" xmlns:p="http://schemas.openxmlformats.org/presentationml/2006/main" xmlns:c="http://schemas.openxmlformats.org/drawingml/2006/chart" xmlns:dgm="http://schemas.openxmlformats.org/drawingml/2006/diagram" xmlns:o="urn:schemas-microsoft-com:office:office" xmlns:v="urn:schemas-microsoft-com:vml" xmlns:pvml="urn:schemas-microsoft-com:office:powerpoint" xmlns:com="http://schemas.openxmlformats.org/drawingml/2006/compatibility" xmlns:p14="http://schemas.microsoft.com/office/powerpoint/2010/main" xmlns:p15="http://schemas.microsoft.com/office/powerpoint/2012/main">
+<p:sld xmlns:a="http://schemas.openxmlformats.org/drawingml/2006/main" xmlns:r="http://schemas.openxmlformats.org/officeDocument/2006/relationships" xmlns:mc="http://schemas.openxmlformats.org/markup-compatibility/2006" xmlns:mv="urn:schemas-microsoft-com:mac:vml" xmlns:p="http://schemas.openxmlformats.org/presentationml/2006/main" xmlns:c="http://schemas.openxmlformats.org/drawingml/2006/chart" xmlns:dgm="http://schemas.openxmlformats.org/drawingml/2006/diagram" xmlns:o="urn:schemas-microsoft-com:office:office" xmlns:v="urn:schemas-microsoft-com:vml" xmlns:pvml="urn:schemas-microsoft-com:office:powerpoint" xmlns:com="http://schemas.openxmlformats.org/drawingml/2006/compatibility" xmlns:p14="http://schemas.microsoft.com/office/powerpoint/2010/main" xmlns:p15="http://schemas.microsoft.com/office/powerpoint/2012/main" xmlns:ahyp="http://schemas.microsoft.com/office/drawing/2018/hyperlinkcolor">
   <p:cSld>
     <p:spTree>
       <p:nvGrpSpPr>
@@ -7565,7 +7465,7 @@
 </file>
 
 <file path=ppt/slides/slide2.xml><?xml version="1.0" encoding="utf-8"?>
-<p:sld xmlns:a="http://schemas.openxmlformats.org/drawingml/2006/main" xmlns:r="http://schemas.openxmlformats.org/officeDocument/2006/relationships" xmlns:mc="http://schemas.openxmlformats.org/markup-compatibility/2006" xmlns:mv="urn:schemas-microsoft-com:mac:vml" xmlns:p="http://schemas.openxmlformats.org/presentationml/2006/main" xmlns:c="http://schemas.openxmlformats.org/drawingml/2006/chart" xmlns:dgm="http://schemas.openxmlformats.org/drawingml/2006/diagram" xmlns:o="urn:schemas-microsoft-com:office:office" xmlns:v="urn:schemas-microsoft-com:vml" xmlns:pvml="urn:schemas-microsoft-com:office:powerpoint" xmlns:com="http://schemas.openxmlformats.org/drawingml/2006/compatibility" xmlns:p14="http://schemas.microsoft.com/office/powerpoint/2010/main" xmlns:p15="http://schemas.microsoft.com/office/powerpoint/2012/main">
+<p:sld xmlns:a="http://schemas.openxmlformats.org/drawingml/2006/main" xmlns:r="http://schemas.openxmlformats.org/officeDocument/2006/relationships" xmlns:mc="http://schemas.openxmlformats.org/markup-compatibility/2006" xmlns:mv="urn:schemas-microsoft-com:mac:vml" xmlns:p="http://schemas.openxmlformats.org/presentationml/2006/main" xmlns:c="http://schemas.openxmlformats.org/drawingml/2006/chart" xmlns:dgm="http://schemas.openxmlformats.org/drawingml/2006/diagram" xmlns:o="urn:schemas-microsoft-com:office:office" xmlns:v="urn:schemas-microsoft-com:vml" xmlns:pvml="urn:schemas-microsoft-com:office:powerpoint" xmlns:com="http://schemas.openxmlformats.org/drawingml/2006/compatibility" xmlns:p14="http://schemas.microsoft.com/office/powerpoint/2010/main" xmlns:p15="http://schemas.microsoft.com/office/powerpoint/2012/main" xmlns:ahyp="http://schemas.microsoft.com/office/drawing/2018/hyperlinkcolor">
   <p:cSld>
     <p:spTree>
       <p:nvGrpSpPr>
@@ -7632,7 +7532,7 @@
         <p:spPr>
           <a:xfrm>
             <a:off x="311700" y="1266325"/>
-            <a:ext cx="8520600" cy="3302700"/>
+            <a:ext cx="8520600" cy="3498300"/>
           </a:xfrm>
           <a:prstGeom prst="rect">
             <a:avLst/>
@@ -7661,24 +7561,26 @@
             <a:endParaRPr/>
           </a:p>
           <a:p>
-            <a:pPr indent="0" lvl="0" marL="457200" rtl="0" algn="l">
-              <a:spcBef>
-                <a:spcPts val="1600"/>
-              </a:spcBef>
-              <a:spcAft>
-                <a:spcPts val="0"/>
-              </a:spcAft>
-              <a:buNone/>
+            <a:pPr indent="-342900" lvl="0" marL="457200" rtl="0" algn="l">
+              <a:spcBef>
+                <a:spcPts val="0"/>
+              </a:spcBef>
+              <a:spcAft>
+                <a:spcPts val="0"/>
+              </a:spcAft>
+              <a:buSzPts val="1800"/>
+              <a:buChar char="●"/>
             </a:pPr>
             <a:r>
-              <a:t/>
+              <a:rPr lang="en"/>
+              <a:t>Can we find a change in what features users are looking for in running shoes over the past 7 years?</a:t>
             </a:r>
             <a:endParaRPr/>
           </a:p>
           <a:p>
             <a:pPr indent="-342900" lvl="0" marL="457200" rtl="0" algn="l">
               <a:spcBef>
-                <a:spcPts val="1600"/>
+                <a:spcPts val="0"/>
               </a:spcBef>
               <a:spcAft>
                 <a:spcPts val="0"/>
@@ -7703,7 +7605,7 @@
 </file>
 
 <file path=ppt/slides/slide3.xml><?xml version="1.0" encoding="utf-8"?>
-<p:sld xmlns:a="http://schemas.openxmlformats.org/drawingml/2006/main" xmlns:r="http://schemas.openxmlformats.org/officeDocument/2006/relationships" xmlns:mc="http://schemas.openxmlformats.org/markup-compatibility/2006" xmlns:mv="urn:schemas-microsoft-com:mac:vml" xmlns:p="http://schemas.openxmlformats.org/presentationml/2006/main" xmlns:c="http://schemas.openxmlformats.org/drawingml/2006/chart" xmlns:dgm="http://schemas.openxmlformats.org/drawingml/2006/diagram" xmlns:o="urn:schemas-microsoft-com:office:office" xmlns:v="urn:schemas-microsoft-com:vml" xmlns:pvml="urn:schemas-microsoft-com:office:powerpoint" xmlns:com="http://schemas.openxmlformats.org/drawingml/2006/compatibility" xmlns:p14="http://schemas.microsoft.com/office/powerpoint/2010/main" xmlns:p15="http://schemas.microsoft.com/office/powerpoint/2012/main">
+<p:sld xmlns:a="http://schemas.openxmlformats.org/drawingml/2006/main" xmlns:r="http://schemas.openxmlformats.org/officeDocument/2006/relationships" xmlns:mc="http://schemas.openxmlformats.org/markup-compatibility/2006" xmlns:mv="urn:schemas-microsoft-com:mac:vml" xmlns:p="http://schemas.openxmlformats.org/presentationml/2006/main" xmlns:c="http://schemas.openxmlformats.org/drawingml/2006/chart" xmlns:dgm="http://schemas.openxmlformats.org/drawingml/2006/diagram" xmlns:o="urn:schemas-microsoft-com:office:office" xmlns:v="urn:schemas-microsoft-com:vml" xmlns:pvml="urn:schemas-microsoft-com:office:powerpoint" xmlns:com="http://schemas.openxmlformats.org/drawingml/2006/compatibility" xmlns:p14="http://schemas.microsoft.com/office/powerpoint/2010/main" xmlns:p15="http://schemas.microsoft.com/office/powerpoint/2012/main" xmlns:ahyp="http://schemas.microsoft.com/office/drawing/2018/hyperlinkcolor">
   <p:cSld>
     <p:spTree>
       <p:nvGrpSpPr>
@@ -7793,8 +7695,17 @@
               <a:buChar char="●"/>
             </a:pPr>
             <a:r>
+              <a:rPr lang="en" u="sng">
+                <a:solidFill>
+                  <a:schemeClr val="hlink"/>
+                </a:solidFill>
+                <a:hlinkClick r:id="rId3"/>
+              </a:rPr>
+              <a:t>Runrepeat.com</a:t>
+            </a:r>
+            <a:r>
               <a:rPr lang="en"/>
-              <a:t>Runrepeat.com curates reviews from both people they deem as ‘experts’ and users. Experts are able to leave a detailed review and users can leave a number from 1 to 5. </a:t>
+              <a:t> curates reviews from both people they deem as ‘experts’ and users. Experts are able to leave a detailed review and users can leave a number from 1 to 5. </a:t>
             </a:r>
             <a:endParaRPr/>
           </a:p>
@@ -7843,7 +7754,7 @@
 </file>
 
 <file path=ppt/slides/slide4.xml><?xml version="1.0" encoding="utf-8"?>
-<p:sld xmlns:a="http://schemas.openxmlformats.org/drawingml/2006/main" xmlns:r="http://schemas.openxmlformats.org/officeDocument/2006/relationships" xmlns:mc="http://schemas.openxmlformats.org/markup-compatibility/2006" xmlns:mv="urn:schemas-microsoft-com:mac:vml" xmlns:p="http://schemas.openxmlformats.org/presentationml/2006/main" xmlns:c="http://schemas.openxmlformats.org/drawingml/2006/chart" xmlns:dgm="http://schemas.openxmlformats.org/drawingml/2006/diagram" xmlns:o="urn:schemas-microsoft-com:office:office" xmlns:v="urn:schemas-microsoft-com:vml" xmlns:pvml="urn:schemas-microsoft-com:office:powerpoint" xmlns:com="http://schemas.openxmlformats.org/drawingml/2006/compatibility" xmlns:p14="http://schemas.microsoft.com/office/powerpoint/2010/main" xmlns:p15="http://schemas.microsoft.com/office/powerpoint/2012/main">
+<p:sld xmlns:a="http://schemas.openxmlformats.org/drawingml/2006/main" xmlns:r="http://schemas.openxmlformats.org/officeDocument/2006/relationships" xmlns:mc="http://schemas.openxmlformats.org/markup-compatibility/2006" xmlns:mv="urn:schemas-microsoft-com:mac:vml" xmlns:p="http://schemas.openxmlformats.org/presentationml/2006/main" xmlns:c="http://schemas.openxmlformats.org/drawingml/2006/chart" xmlns:dgm="http://schemas.openxmlformats.org/drawingml/2006/diagram" xmlns:o="urn:schemas-microsoft-com:office:office" xmlns:v="urn:schemas-microsoft-com:vml" xmlns:pvml="urn:schemas-microsoft-com:office:powerpoint" xmlns:com="http://schemas.openxmlformats.org/drawingml/2006/compatibility" xmlns:p14="http://schemas.microsoft.com/office/powerpoint/2010/main" xmlns:p15="http://schemas.microsoft.com/office/powerpoint/2012/main" xmlns:ahyp="http://schemas.microsoft.com/office/drawing/2018/hyperlinkcolor">
   <p:cSld>
     <p:spTree>
       <p:nvGrpSpPr>
@@ -8114,6 +8025,23 @@
             <a:endParaRPr/>
           </a:p>
           <a:p>
+            <a:pPr indent="-317500" lvl="1" marL="914400" rtl="0" algn="l">
+              <a:spcBef>
+                <a:spcPts val="0"/>
+              </a:spcBef>
+              <a:spcAft>
+                <a:spcPts val="0"/>
+              </a:spcAft>
+              <a:buSzPts val="1400"/>
+              <a:buChar char="○"/>
+            </a:pPr>
+            <a:r>
+              <a:rPr lang="en"/>
+              <a:t>Release Date</a:t>
+            </a:r>
+            <a:endParaRPr/>
+          </a:p>
+          <a:p>
             <a:pPr indent="0" lvl="0" marL="914400" rtl="0" algn="l">
               <a:spcBef>
                 <a:spcPts val="1600"/>
@@ -8139,7 +8067,7 @@
 </file>
 
 <file path=ppt/slides/slide5.xml><?xml version="1.0" encoding="utf-8"?>
-<p:sld xmlns:a="http://schemas.openxmlformats.org/drawingml/2006/main" xmlns:r="http://schemas.openxmlformats.org/officeDocument/2006/relationships" xmlns:mc="http://schemas.openxmlformats.org/markup-compatibility/2006" xmlns:mv="urn:schemas-microsoft-com:mac:vml" xmlns:p="http://schemas.openxmlformats.org/presentationml/2006/main" xmlns:c="http://schemas.openxmlformats.org/drawingml/2006/chart" xmlns:dgm="http://schemas.openxmlformats.org/drawingml/2006/diagram" xmlns:o="urn:schemas-microsoft-com:office:office" xmlns:v="urn:schemas-microsoft-com:vml" xmlns:pvml="urn:schemas-microsoft-com:office:powerpoint" xmlns:com="http://schemas.openxmlformats.org/drawingml/2006/compatibility" xmlns:p14="http://schemas.microsoft.com/office/powerpoint/2010/main" xmlns:p15="http://schemas.microsoft.com/office/powerpoint/2012/main">
+<p:sld xmlns:a="http://schemas.openxmlformats.org/drawingml/2006/main" xmlns:r="http://schemas.openxmlformats.org/officeDocument/2006/relationships" xmlns:mc="http://schemas.openxmlformats.org/markup-compatibility/2006" xmlns:mv="urn:schemas-microsoft-com:mac:vml" xmlns:p="http://schemas.openxmlformats.org/presentationml/2006/main" xmlns:c="http://schemas.openxmlformats.org/drawingml/2006/chart" xmlns:dgm="http://schemas.openxmlformats.org/drawingml/2006/diagram" xmlns:o="urn:schemas-microsoft-com:office:office" xmlns:v="urn:schemas-microsoft-com:vml" xmlns:pvml="urn:schemas-microsoft-com:office:powerpoint" xmlns:com="http://schemas.openxmlformats.org/drawingml/2006/compatibility" xmlns:p14="http://schemas.microsoft.com/office/powerpoint/2010/main" xmlns:p15="http://schemas.microsoft.com/office/powerpoint/2012/main" xmlns:ahyp="http://schemas.microsoft.com/office/drawing/2018/hyperlinkcolor">
   <p:cSld>
     <p:spTree>
       <p:nvGrpSpPr>
@@ -8232,7 +8160,7 @@
 </file>
 
 <file path=ppt/slides/slide6.xml><?xml version="1.0" encoding="utf-8"?>
-<p:sld xmlns:a="http://schemas.openxmlformats.org/drawingml/2006/main" xmlns:r="http://schemas.openxmlformats.org/officeDocument/2006/relationships" xmlns:mc="http://schemas.openxmlformats.org/markup-compatibility/2006" xmlns:mv="urn:schemas-microsoft-com:mac:vml" xmlns:p="http://schemas.openxmlformats.org/presentationml/2006/main" xmlns:c="http://schemas.openxmlformats.org/drawingml/2006/chart" xmlns:dgm="http://schemas.openxmlformats.org/drawingml/2006/diagram" xmlns:o="urn:schemas-microsoft-com:office:office" xmlns:v="urn:schemas-microsoft-com:vml" xmlns:pvml="urn:schemas-microsoft-com:office:powerpoint" xmlns:com="http://schemas.openxmlformats.org/drawingml/2006/compatibility" xmlns:p14="http://schemas.microsoft.com/office/powerpoint/2010/main" xmlns:p15="http://schemas.microsoft.com/office/powerpoint/2012/main">
+<p:sld xmlns:a="http://schemas.openxmlformats.org/drawingml/2006/main" xmlns:r="http://schemas.openxmlformats.org/officeDocument/2006/relationships" xmlns:mc="http://schemas.openxmlformats.org/markup-compatibility/2006" xmlns:mv="urn:schemas-microsoft-com:mac:vml" xmlns:p="http://schemas.openxmlformats.org/presentationml/2006/main" xmlns:c="http://schemas.openxmlformats.org/drawingml/2006/chart" xmlns:dgm="http://schemas.openxmlformats.org/drawingml/2006/diagram" xmlns:o="urn:schemas-microsoft-com:office:office" xmlns:v="urn:schemas-microsoft-com:vml" xmlns:pvml="urn:schemas-microsoft-com:office:powerpoint" xmlns:com="http://schemas.openxmlformats.org/drawingml/2006/compatibility" xmlns:p14="http://schemas.microsoft.com/office/powerpoint/2010/main" xmlns:p15="http://schemas.microsoft.com/office/powerpoint/2012/main" xmlns:ahyp="http://schemas.microsoft.com/office/drawing/2018/hyperlinkcolor">
   <p:cSld>
     <p:spTree>
       <p:nvGrpSpPr>
@@ -8248,62 +8176,9 @@
           <a:chExt cx="0" cy="0"/>
         </a:xfrm>
       </p:grpSpPr>
-      <p:pic>
-        <p:nvPicPr>
-          <p:cNvPr id="96" name="Google Shape;96;p18"/>
-          <p:cNvPicPr preferRelativeResize="0"/>
-          <p:nvPr/>
-        </p:nvPicPr>
-        <p:blipFill>
-          <a:blip r:embed="rId3">
-            <a:alphaModFix/>
-          </a:blip>
-          <a:stretch>
-            <a:fillRect/>
-          </a:stretch>
-        </p:blipFill>
-        <p:spPr>
-          <a:xfrm>
-            <a:off x="938213" y="338138"/>
-            <a:ext cx="7267575" cy="4467225"/>
-          </a:xfrm>
-          <a:prstGeom prst="rect">
-            <a:avLst/>
-          </a:prstGeom>
-          <a:noFill/>
-          <a:ln>
-            <a:noFill/>
-          </a:ln>
-        </p:spPr>
-      </p:pic>
-    </p:spTree>
-  </p:cSld>
-  <p:clrMapOvr>
-    <a:masterClrMapping/>
-  </p:clrMapOvr>
-</p:sld>
-</file>
-
-<file path=ppt/slides/slide7.xml><?xml version="1.0" encoding="utf-8"?>
-<p:sld xmlns:a="http://schemas.openxmlformats.org/drawingml/2006/main" xmlns:r="http://schemas.openxmlformats.org/officeDocument/2006/relationships" xmlns:mc="http://schemas.openxmlformats.org/markup-compatibility/2006" xmlns:mv="urn:schemas-microsoft-com:mac:vml" xmlns:p="http://schemas.openxmlformats.org/presentationml/2006/main" xmlns:c="http://schemas.openxmlformats.org/drawingml/2006/chart" xmlns:dgm="http://schemas.openxmlformats.org/drawingml/2006/diagram" xmlns:o="urn:schemas-microsoft-com:office:office" xmlns:v="urn:schemas-microsoft-com:vml" xmlns:pvml="urn:schemas-microsoft-com:office:powerpoint" xmlns:com="http://schemas.openxmlformats.org/drawingml/2006/compatibility" xmlns:p14="http://schemas.microsoft.com/office/powerpoint/2010/main" xmlns:p15="http://schemas.microsoft.com/office/powerpoint/2012/main">
-  <p:cSld>
-    <p:spTree>
-      <p:nvGrpSpPr>
-        <p:cNvPr id="100" name="Shape 100"/>
-        <p:cNvGrpSpPr/>
-        <p:nvPr/>
-      </p:nvGrpSpPr>
-      <p:grpSpPr>
-        <a:xfrm>
-          <a:off x="0" y="0"/>
-          <a:ext cx="0" cy="0"/>
-          <a:chOff x="0" y="0"/>
-          <a:chExt cx="0" cy="0"/>
-        </a:xfrm>
-      </p:grpSpPr>
       <p:sp>
         <p:nvSpPr>
-          <p:cNvPr id="101" name="Google Shape;101;p19"/>
+          <p:cNvPr id="96" name="Google Shape;96;p18"/>
           <p:cNvSpPr txBox="1"/>
           <p:nvPr>
             <p:ph type="title"/>
@@ -8351,7 +8226,7 @@
       </p:sp>
       <p:pic>
         <p:nvPicPr>
-          <p:cNvPr id="102" name="Google Shape;102;p19"/>
+          <p:cNvPr id="97" name="Google Shape;97;p18"/>
           <p:cNvPicPr preferRelativeResize="0"/>
           <p:nvPr/>
         </p:nvPicPr>
@@ -8379,7 +8254,7 @@
       </p:pic>
       <p:pic>
         <p:nvPicPr>
-          <p:cNvPr id="103" name="Google Shape;103;p19"/>
+          <p:cNvPr id="98" name="Google Shape;98;p18"/>
           <p:cNvPicPr preferRelativeResize="0"/>
           <p:nvPr/>
         </p:nvPicPr>
@@ -8413,8 +8288,61 @@
 </p:sld>
 </file>
 
+<file path=ppt/slides/slide7.xml><?xml version="1.0" encoding="utf-8"?>
+<p:sld xmlns:a="http://schemas.openxmlformats.org/drawingml/2006/main" xmlns:r="http://schemas.openxmlformats.org/officeDocument/2006/relationships" xmlns:mc="http://schemas.openxmlformats.org/markup-compatibility/2006" xmlns:mv="urn:schemas-microsoft-com:mac:vml" xmlns:p="http://schemas.openxmlformats.org/presentationml/2006/main" xmlns:c="http://schemas.openxmlformats.org/drawingml/2006/chart" xmlns:dgm="http://schemas.openxmlformats.org/drawingml/2006/diagram" xmlns:o="urn:schemas-microsoft-com:office:office" xmlns:v="urn:schemas-microsoft-com:vml" xmlns:pvml="urn:schemas-microsoft-com:office:powerpoint" xmlns:com="http://schemas.openxmlformats.org/drawingml/2006/compatibility" xmlns:p14="http://schemas.microsoft.com/office/powerpoint/2010/main" xmlns:p15="http://schemas.microsoft.com/office/powerpoint/2012/main" xmlns:ahyp="http://schemas.microsoft.com/office/drawing/2018/hyperlinkcolor">
+  <p:cSld>
+    <p:spTree>
+      <p:nvGrpSpPr>
+        <p:cNvPr id="102" name="Shape 102"/>
+        <p:cNvGrpSpPr/>
+        <p:nvPr/>
+      </p:nvGrpSpPr>
+      <p:grpSpPr>
+        <a:xfrm>
+          <a:off x="0" y="0"/>
+          <a:ext cx="0" cy="0"/>
+          <a:chOff x="0" y="0"/>
+          <a:chExt cx="0" cy="0"/>
+        </a:xfrm>
+      </p:grpSpPr>
+      <p:pic>
+        <p:nvPicPr>
+          <p:cNvPr id="103" name="Google Shape;103;p19"/>
+          <p:cNvPicPr preferRelativeResize="0"/>
+          <p:nvPr/>
+        </p:nvPicPr>
+        <p:blipFill>
+          <a:blip r:embed="rId3">
+            <a:alphaModFix/>
+          </a:blip>
+          <a:stretch>
+            <a:fillRect/>
+          </a:stretch>
+        </p:blipFill>
+        <p:spPr>
+          <a:xfrm>
+            <a:off x="1019175" y="619125"/>
+            <a:ext cx="7105650" cy="3905250"/>
+          </a:xfrm>
+          <a:prstGeom prst="rect">
+            <a:avLst/>
+          </a:prstGeom>
+          <a:noFill/>
+          <a:ln>
+            <a:noFill/>
+          </a:ln>
+        </p:spPr>
+      </p:pic>
+    </p:spTree>
+  </p:cSld>
+  <p:clrMapOvr>
+    <a:masterClrMapping/>
+  </p:clrMapOvr>
+</p:sld>
+</file>
+
 <file path=ppt/slides/slide8.xml><?xml version="1.0" encoding="utf-8"?>
-<p:sld xmlns:a="http://schemas.openxmlformats.org/drawingml/2006/main" xmlns:r="http://schemas.openxmlformats.org/officeDocument/2006/relationships" xmlns:mc="http://schemas.openxmlformats.org/markup-compatibility/2006" xmlns:mv="urn:schemas-microsoft-com:mac:vml" xmlns:p="http://schemas.openxmlformats.org/presentationml/2006/main" xmlns:c="http://schemas.openxmlformats.org/drawingml/2006/chart" xmlns:dgm="http://schemas.openxmlformats.org/drawingml/2006/diagram" xmlns:o="urn:schemas-microsoft-com:office:office" xmlns:v="urn:schemas-microsoft-com:vml" xmlns:pvml="urn:schemas-microsoft-com:office:powerpoint" xmlns:com="http://schemas.openxmlformats.org/drawingml/2006/compatibility" xmlns:p14="http://schemas.microsoft.com/office/powerpoint/2010/main" xmlns:p15="http://schemas.microsoft.com/office/powerpoint/2012/main">
+<p:sld xmlns:a="http://schemas.openxmlformats.org/drawingml/2006/main" xmlns:r="http://schemas.openxmlformats.org/officeDocument/2006/relationships" xmlns:mc="http://schemas.openxmlformats.org/markup-compatibility/2006" xmlns:mv="urn:schemas-microsoft-com:mac:vml" xmlns:p="http://schemas.openxmlformats.org/presentationml/2006/main" xmlns:c="http://schemas.openxmlformats.org/drawingml/2006/chart" xmlns:dgm="http://schemas.openxmlformats.org/drawingml/2006/diagram" xmlns:o="urn:schemas-microsoft-com:office:office" xmlns:v="urn:schemas-microsoft-com:vml" xmlns:pvml="urn:schemas-microsoft-com:office:powerpoint" xmlns:com="http://schemas.openxmlformats.org/drawingml/2006/compatibility" xmlns:p14="http://schemas.microsoft.com/office/powerpoint/2010/main" xmlns:p15="http://schemas.microsoft.com/office/powerpoint/2012/main" xmlns:ahyp="http://schemas.microsoft.com/office/drawing/2018/hyperlinkcolor">
   <p:cSld>
     <p:spTree>
       <p:nvGrpSpPr>
@@ -8467,7 +8395,7 @@
 </file>
 
 <file path=ppt/slides/slide9.xml><?xml version="1.0" encoding="utf-8"?>
-<p:sld xmlns:a="http://schemas.openxmlformats.org/drawingml/2006/main" xmlns:r="http://schemas.openxmlformats.org/officeDocument/2006/relationships" xmlns:mc="http://schemas.openxmlformats.org/markup-compatibility/2006" xmlns:mv="urn:schemas-microsoft-com:mac:vml" xmlns:p="http://schemas.openxmlformats.org/presentationml/2006/main" xmlns:c="http://schemas.openxmlformats.org/drawingml/2006/chart" xmlns:dgm="http://schemas.openxmlformats.org/drawingml/2006/diagram" xmlns:o="urn:schemas-microsoft-com:office:office" xmlns:v="urn:schemas-microsoft-com:vml" xmlns:pvml="urn:schemas-microsoft-com:office:powerpoint" xmlns:com="http://schemas.openxmlformats.org/drawingml/2006/compatibility" xmlns:p14="http://schemas.microsoft.com/office/powerpoint/2010/main" xmlns:p15="http://schemas.microsoft.com/office/powerpoint/2012/main">
+<p:sld xmlns:a="http://schemas.openxmlformats.org/drawingml/2006/main" xmlns:r="http://schemas.openxmlformats.org/officeDocument/2006/relationships" xmlns:mc="http://schemas.openxmlformats.org/markup-compatibility/2006" xmlns:mv="urn:schemas-microsoft-com:mac:vml" xmlns:p="http://schemas.openxmlformats.org/presentationml/2006/main" xmlns:c="http://schemas.openxmlformats.org/drawingml/2006/chart" xmlns:dgm="http://schemas.openxmlformats.org/drawingml/2006/diagram" xmlns:o="urn:schemas-microsoft-com:office:office" xmlns:v="urn:schemas-microsoft-com:vml" xmlns:pvml="urn:schemas-microsoft-com:office:powerpoint" xmlns:com="http://schemas.openxmlformats.org/drawingml/2006/compatibility" xmlns:p14="http://schemas.microsoft.com/office/powerpoint/2010/main" xmlns:p15="http://schemas.microsoft.com/office/powerpoint/2012/main" xmlns:ahyp="http://schemas.microsoft.com/office/drawing/2018/hyperlinkcolor">
   <p:cSld>
     <p:spTree>
       <p:nvGrpSpPr>
@@ -8517,7 +8445,7 @@
             </a:pPr>
             <a:r>
               <a:rPr lang="en"/>
-              <a:t>Next Steps</a:t>
+              <a:t>Conclusions</a:t>
             </a:r>
             <a:endParaRPr/>
           </a:p>
@@ -8558,7 +8486,7 @@
             </a:pPr>
             <a:r>
               <a:rPr lang="en"/>
-              <a:t>After considering different features from weight, arch support, terrain, retail price, brands it became clear that no feature leads to a better rated shoe.</a:t>
+              <a:t>No one specific feature, correlates to a higher rated shoe on runrepeat.com </a:t>
             </a:r>
             <a:endParaRPr/>
           </a:p>
@@ -8575,67 +8503,41 @@
             </a:pPr>
             <a:r>
               <a:rPr lang="en"/>
-              <a:t>To further look into what runners look for in a shoe, the summary and expert reviews could provide an opportunity using Natural Language Processing.</a:t>
+              <a:t>Companies who focus on a specific type on shoe, will most likely only keep a small market share because consumers are looking for a wide range of products.</a:t>
             </a:r>
             <a:endParaRPr/>
           </a:p>
           <a:p>
-            <a:pPr indent="0" lvl="0" marL="0" rtl="0" algn="l">
-              <a:spcBef>
-                <a:spcPts val="1600"/>
-              </a:spcBef>
-              <a:spcAft>
-                <a:spcPts val="0"/>
-              </a:spcAft>
-              <a:buNone/>
+            <a:pPr indent="-342900" lvl="0" marL="457200" rtl="0" algn="l">
+              <a:spcBef>
+                <a:spcPts val="0"/>
+              </a:spcBef>
+              <a:spcAft>
+                <a:spcPts val="0"/>
+              </a:spcAft>
+              <a:buSzPts val="1800"/>
+              <a:buChar char="●"/>
             </a:pPr>
             <a:r>
-              <a:t/>
+              <a:rPr lang="en"/>
+              <a:t>Educating consumers may help a convert new customers to their products. </a:t>
             </a:r>
             <a:endParaRPr/>
           </a:p>
           <a:p>
-            <a:pPr indent="0" lvl="0" marL="457200" rtl="0" algn="l">
-              <a:spcBef>
-                <a:spcPts val="1600"/>
-              </a:spcBef>
-              <a:spcAft>
-                <a:spcPts val="0"/>
-              </a:spcAft>
-              <a:buNone/>
+            <a:pPr indent="-342900" lvl="0" marL="457200" rtl="0" algn="l">
+              <a:spcBef>
+                <a:spcPts val="0"/>
+              </a:spcBef>
+              <a:spcAft>
+                <a:spcPts val="0"/>
+              </a:spcAft>
+              <a:buSzPts val="1800"/>
+              <a:buChar char="●"/>
             </a:pPr>
             <a:r>
-              <a:t/>
-            </a:r>
-            <a:endParaRPr/>
-          </a:p>
-          <a:p>
-            <a:pPr indent="0" lvl="0" marL="0" rtl="0" algn="l">
-              <a:spcBef>
-                <a:spcPts val="1600"/>
-              </a:spcBef>
-              <a:spcAft>
-                <a:spcPts val="0"/>
-              </a:spcAft>
-              <a:buNone/>
-            </a:pPr>
-            <a:r>
-              <a:t/>
-            </a:r>
-            <a:endParaRPr/>
-          </a:p>
-          <a:p>
-            <a:pPr indent="0" lvl="0" marL="0" rtl="0" algn="l">
-              <a:spcBef>
-                <a:spcPts val="1600"/>
-              </a:spcBef>
-              <a:spcAft>
-                <a:spcPts val="1600"/>
-              </a:spcAft>
-              <a:buNone/>
-            </a:pPr>
-            <a:r>
-              <a:t/>
+              <a:rPr lang="en"/>
+              <a:t>To further look into what runners look for in a shoe, the summary and expert reviews could provide an opportunity using Natural Language Processing </a:t>
             </a:r>
             <a:endParaRPr/>
           </a:p>
@@ -8650,6 +8552,285 @@
 </file>
 
 <file path=ppt/theme/theme1.xml><?xml version="1.0" encoding="utf-8"?>
+<a:theme xmlns:a="http://schemas.openxmlformats.org/drawingml/2006/main" xmlns:r="http://schemas.openxmlformats.org/officeDocument/2006/relationships">
+  <a:themeElements>
+    <a:clrScheme name="Default">
+      <a:dk1>
+        <a:srgbClr val="000000"/>
+      </a:dk1>
+      <a:lt1>
+        <a:srgbClr val="FFFFFF"/>
+      </a:lt1>
+      <a:dk2>
+        <a:srgbClr val="158158"/>
+      </a:dk2>
+      <a:lt2>
+        <a:srgbClr val="F3F3F3"/>
+      </a:lt2>
+      <a:accent1>
+        <a:srgbClr val="058DC7"/>
+      </a:accent1>
+      <a:accent2>
+        <a:srgbClr val="50B432"/>
+      </a:accent2>
+      <a:accent3>
+        <a:srgbClr val="ED561B"/>
+      </a:accent3>
+      <a:accent4>
+        <a:srgbClr val="EDEF00"/>
+      </a:accent4>
+      <a:accent5>
+        <a:srgbClr val="24CBE5"/>
+      </a:accent5>
+      <a:accent6>
+        <a:srgbClr val="64E572"/>
+      </a:accent6>
+      <a:hlink>
+        <a:srgbClr val="2200CC"/>
+      </a:hlink>
+      <a:folHlink>
+        <a:srgbClr val="551A8B"/>
+      </a:folHlink>
+    </a:clrScheme>
+    <a:fontScheme name="Office">
+      <a:majorFont>
+        <a:latin typeface="Arial"/>
+        <a:ea typeface=""/>
+        <a:cs typeface=""/>
+        <a:font script="Jpan" typeface="ＭＳ Ｐゴシック"/>
+        <a:font script="Hang" typeface="맑은 고딕"/>
+        <a:font script="Hans" typeface="宋体"/>
+        <a:font script="Hant" typeface="新細明體"/>
+        <a:font script="Arab" typeface="Times New Roman"/>
+        <a:font script="Hebr" typeface="Times New Roman"/>
+        <a:font script="Thai" typeface="Angsana New"/>
+        <a:font script="Ethi" typeface="Nyala"/>
+        <a:font script="Beng" typeface="Vrinda"/>
+        <a:font script="Gujr" typeface="Shruti"/>
+        <a:font script="Khmr" typeface="MoolBoran"/>
+        <a:font script="Knda" typeface="Tunga"/>
+        <a:font script="Guru" typeface="Raavi"/>
+        <a:font script="Cans" typeface="Euphemia"/>
+        <a:font script="Cher" typeface="Plantagenet Cherokee"/>
+        <a:font script="Yiii" typeface="Microsoft Yi Baiti"/>
+        <a:font script="Tibt" typeface="Microsoft Himalaya"/>
+        <a:font script="Thaa" typeface="MV Boli"/>
+        <a:font script="Deva" typeface="Mangal"/>
+        <a:font script="Telu" typeface="Gautami"/>
+        <a:font script="Taml" typeface="Latha"/>
+        <a:font script="Syrc" typeface="Estrangelo Edessa"/>
+        <a:font script="Orya" typeface="Kalinga"/>
+        <a:font script="Mlym" typeface="Kartika"/>
+        <a:font script="Laoo" typeface="DokChampa"/>
+        <a:font script="Sinh" typeface="Iskoola Pota"/>
+        <a:font script="Mong" typeface="Mongolian Baiti"/>
+        <a:font script="Viet" typeface="Times New Roman"/>
+        <a:font script="Uigh" typeface="Microsoft Uighur"/>
+        <a:font script="Geor" typeface="Sylfaen"/>
+      </a:majorFont>
+      <a:minorFont>
+        <a:latin typeface="Arial"/>
+        <a:ea typeface=""/>
+        <a:cs typeface=""/>
+        <a:font script="Jpan" typeface="ＭＳ Ｐゴシック"/>
+        <a:font script="Hang" typeface="맑은 고딕"/>
+        <a:font script="Hans" typeface="宋体"/>
+        <a:font script="Hant" typeface="新細明體"/>
+        <a:font script="Arab" typeface="Arial"/>
+        <a:font script="Hebr" typeface="Arial"/>
+        <a:font script="Thai" typeface="Cordia New"/>
+        <a:font script="Ethi" typeface="Nyala"/>
+        <a:font script="Beng" typeface="Vrinda"/>
+        <a:font script="Gujr" typeface="Shruti"/>
+        <a:font script="Khmr" typeface="DaunPenh"/>
+        <a:font script="Knda" typeface="Tunga"/>
+        <a:font script="Guru" typeface="Raavi"/>
+        <a:font script="Cans" typeface="Euphemia"/>
+        <a:font script="Cher" typeface="Plantagenet Cherokee"/>
+        <a:font script="Yiii" typeface="Microsoft Yi Baiti"/>
+        <a:font script="Tibt" typeface="Microsoft Himalaya"/>
+        <a:font script="Thaa" typeface="MV Boli"/>
+        <a:font script="Deva" typeface="Mangal"/>
+        <a:font script="Telu" typeface="Gautami"/>
+        <a:font script="Taml" typeface="Latha"/>
+        <a:font script="Syrc" typeface="Estrangelo Edessa"/>
+        <a:font script="Orya" typeface="Kalinga"/>
+        <a:font script="Mlym" typeface="Kartika"/>
+        <a:font script="Laoo" typeface="DokChampa"/>
+        <a:font script="Sinh" typeface="Iskoola Pota"/>
+        <a:font script="Mong" typeface="Mongolian Baiti"/>
+        <a:font script="Viet" typeface="Arial"/>
+        <a:font script="Uigh" typeface="Microsoft Uighur"/>
+        <a:font script="Geor" typeface="Sylfaen"/>
+      </a:minorFont>
+    </a:fontScheme>
+    <a:fmtScheme name="Office">
+      <a:fillStyleLst>
+        <a:solidFill>
+          <a:schemeClr val="phClr"/>
+        </a:solidFill>
+        <a:gradFill rotWithShape="1">
+          <a:gsLst>
+            <a:gs pos="0">
+              <a:schemeClr val="phClr">
+                <a:tint val="50000"/>
+                <a:satMod val="300000"/>
+              </a:schemeClr>
+            </a:gs>
+            <a:gs pos="35000">
+              <a:schemeClr val="phClr">
+                <a:tint val="37000"/>
+                <a:satMod val="300000"/>
+              </a:schemeClr>
+            </a:gs>
+            <a:gs pos="100000">
+              <a:schemeClr val="phClr">
+                <a:tint val="15000"/>
+                <a:satMod val="350000"/>
+              </a:schemeClr>
+            </a:gs>
+          </a:gsLst>
+          <a:lin ang="16200000" scaled="1"/>
+        </a:gradFill>
+        <a:gradFill rotWithShape="1">
+          <a:gsLst>
+            <a:gs pos="0">
+              <a:schemeClr val="phClr">
+                <a:tint val="100000"/>
+                <a:shade val="100000"/>
+                <a:satMod val="130000"/>
+              </a:schemeClr>
+            </a:gs>
+            <a:gs pos="100000">
+              <a:schemeClr val="phClr">
+                <a:tint val="50000"/>
+                <a:shade val="100000"/>
+                <a:satMod val="350000"/>
+              </a:schemeClr>
+            </a:gs>
+          </a:gsLst>
+          <a:lin ang="16200000" scaled="0"/>
+        </a:gradFill>
+      </a:fillStyleLst>
+      <a:lnStyleLst>
+        <a:ln w="9525" cap="flat" cmpd="sng" algn="ctr">
+          <a:solidFill>
+            <a:schemeClr val="phClr">
+              <a:shade val="95000"/>
+              <a:satMod val="105000"/>
+            </a:schemeClr>
+          </a:solidFill>
+          <a:prstDash val="solid"/>
+        </a:ln>
+        <a:ln w="25400" cap="flat" cmpd="sng" algn="ctr">
+          <a:solidFill>
+            <a:schemeClr val="phClr"/>
+          </a:solidFill>
+          <a:prstDash val="solid"/>
+        </a:ln>
+        <a:ln w="38100" cap="flat" cmpd="sng" algn="ctr">
+          <a:solidFill>
+            <a:schemeClr val="phClr"/>
+          </a:solidFill>
+          <a:prstDash val="solid"/>
+        </a:ln>
+      </a:lnStyleLst>
+      <a:effectStyleLst>
+        <a:effectStyle>
+          <a:effectLst>
+            <a:outerShdw blurRad="40000" dist="20000" dir="5400000" rotWithShape="0">
+              <a:srgbClr val="000000">
+                <a:alpha val="38000"/>
+              </a:srgbClr>
+            </a:outerShdw>
+          </a:effectLst>
+        </a:effectStyle>
+        <a:effectStyle>
+          <a:effectLst>
+            <a:outerShdw blurRad="40000" dist="23000" dir="5400000" rotWithShape="0">
+              <a:srgbClr val="000000">
+                <a:alpha val="35000"/>
+              </a:srgbClr>
+            </a:outerShdw>
+          </a:effectLst>
+        </a:effectStyle>
+        <a:effectStyle>
+          <a:effectLst>
+            <a:outerShdw blurRad="40000" dist="23000" dir="5400000" rotWithShape="0">
+              <a:srgbClr val="000000">
+                <a:alpha val="35000"/>
+              </a:srgbClr>
+            </a:outerShdw>
+          </a:effectLst>
+          <a:scene3d>
+            <a:camera prst="orthographicFront">
+              <a:rot lat="0" lon="0" rev="0"/>
+            </a:camera>
+            <a:lightRig rig="threePt" dir="t">
+              <a:rot lat="0" lon="0" rev="1200000"/>
+            </a:lightRig>
+          </a:scene3d>
+          <a:sp3d>
+            <a:bevelT w="63500" h="25400"/>
+          </a:sp3d>
+        </a:effectStyle>
+      </a:effectStyleLst>
+      <a:bgFillStyleLst>
+        <a:solidFill>
+          <a:schemeClr val="phClr"/>
+        </a:solidFill>
+        <a:gradFill rotWithShape="1">
+          <a:gsLst>
+            <a:gs pos="0">
+              <a:schemeClr val="phClr">
+                <a:tint val="40000"/>
+                <a:satMod val="350000"/>
+              </a:schemeClr>
+            </a:gs>
+            <a:gs pos="40000">
+              <a:schemeClr val="phClr">
+                <a:tint val="45000"/>
+                <a:shade val="99000"/>
+                <a:satMod val="350000"/>
+              </a:schemeClr>
+            </a:gs>
+            <a:gs pos="100000">
+              <a:schemeClr val="phClr">
+                <a:shade val="20000"/>
+                <a:satMod val="255000"/>
+              </a:schemeClr>
+            </a:gs>
+          </a:gsLst>
+          <a:path path="circle">
+            <a:fillToRect l="50000" t="-80000" r="50000" b="180000"/>
+          </a:path>
+        </a:gradFill>
+        <a:gradFill rotWithShape="1">
+          <a:gsLst>
+            <a:gs pos="0">
+              <a:schemeClr val="phClr">
+                <a:tint val="80000"/>
+                <a:satMod val="300000"/>
+              </a:schemeClr>
+            </a:gs>
+            <a:gs pos="100000">
+              <a:schemeClr val="phClr">
+                <a:shade val="30000"/>
+                <a:satMod val="200000"/>
+              </a:schemeClr>
+            </a:gs>
+          </a:gsLst>
+          <a:path path="circle">
+            <a:fillToRect l="50000" t="50000" r="50000" b="50000"/>
+          </a:path>
+        </a:gradFill>
+      </a:bgFillStyleLst>
+    </a:fmtScheme>
+  </a:themeElements>
+</a:theme>
+</file>
+
+<file path=ppt/theme/theme2.xml><?xml version="1.0" encoding="utf-8"?>
 <a:theme xmlns:a="http://schemas.openxmlformats.org/drawingml/2006/main" xmlns:r="http://schemas.openxmlformats.org/officeDocument/2006/relationships" name="Tropic">
   <a:themeElements>
     <a:clrScheme name="Tropic">
@@ -8926,283 +9107,4 @@
     </a:fmtScheme>
   </a:themeElements>
 </a:theme>
-</file>
-
-<file path=ppt/theme/theme2.xml><?xml version="1.0" encoding="utf-8"?>
-<a:theme xmlns:a="http://schemas.openxmlformats.org/drawingml/2006/main" xmlns:r="http://schemas.openxmlformats.org/officeDocument/2006/relationships">
-  <a:themeElements>
-    <a:clrScheme name="Default">
-      <a:dk1>
-        <a:srgbClr val="000000"/>
-      </a:dk1>
-      <a:lt1>
-        <a:srgbClr val="FFFFFF"/>
-      </a:lt1>
-      <a:dk2>
-        <a:srgbClr val="158158"/>
-      </a:dk2>
-      <a:lt2>
-        <a:srgbClr val="F3F3F3"/>
-      </a:lt2>
-      <a:accent1>
-        <a:srgbClr val="058DC7"/>
-      </a:accent1>
-      <a:accent2>
-        <a:srgbClr val="50B432"/>
-      </a:accent2>
-      <a:accent3>
-        <a:srgbClr val="ED561B"/>
-      </a:accent3>
-      <a:accent4>
-        <a:srgbClr val="EDEF00"/>
-      </a:accent4>
-      <a:accent5>
-        <a:srgbClr val="24CBE5"/>
-      </a:accent5>
-      <a:accent6>
-        <a:srgbClr val="64E572"/>
-      </a:accent6>
-      <a:hlink>
-        <a:srgbClr val="2200CC"/>
-      </a:hlink>
-      <a:folHlink>
-        <a:srgbClr val="551A8B"/>
-      </a:folHlink>
-    </a:clrScheme>
-    <a:fontScheme name="Office">
-      <a:majorFont>
-        <a:latin typeface="Arial"/>
-        <a:ea typeface=""/>
-        <a:cs typeface=""/>
-        <a:font script="Jpan" typeface="ＭＳ Ｐゴシック"/>
-        <a:font script="Hang" typeface="맑은 고딕"/>
-        <a:font script="Hans" typeface="宋体"/>
-        <a:font script="Hant" typeface="新細明體"/>
-        <a:font script="Arab" typeface="Times New Roman"/>
-        <a:font script="Hebr" typeface="Times New Roman"/>
-        <a:font script="Thai" typeface="Angsana New"/>
-        <a:font script="Ethi" typeface="Nyala"/>
-        <a:font script="Beng" typeface="Vrinda"/>
-        <a:font script="Gujr" typeface="Shruti"/>
-        <a:font script="Khmr" typeface="MoolBoran"/>
-        <a:font script="Knda" typeface="Tunga"/>
-        <a:font script="Guru" typeface="Raavi"/>
-        <a:font script="Cans" typeface="Euphemia"/>
-        <a:font script="Cher" typeface="Plantagenet Cherokee"/>
-        <a:font script="Yiii" typeface="Microsoft Yi Baiti"/>
-        <a:font script="Tibt" typeface="Microsoft Himalaya"/>
-        <a:font script="Thaa" typeface="MV Boli"/>
-        <a:font script="Deva" typeface="Mangal"/>
-        <a:font script="Telu" typeface="Gautami"/>
-        <a:font script="Taml" typeface="Latha"/>
-        <a:font script="Syrc" typeface="Estrangelo Edessa"/>
-        <a:font script="Orya" typeface="Kalinga"/>
-        <a:font script="Mlym" typeface="Kartika"/>
-        <a:font script="Laoo" typeface="DokChampa"/>
-        <a:font script="Sinh" typeface="Iskoola Pota"/>
-        <a:font script="Mong" typeface="Mongolian Baiti"/>
-        <a:font script="Viet" typeface="Times New Roman"/>
-        <a:font script="Uigh" typeface="Microsoft Uighur"/>
-        <a:font script="Geor" typeface="Sylfaen"/>
-      </a:majorFont>
-      <a:minorFont>
-        <a:latin typeface="Arial"/>
-        <a:ea typeface=""/>
-        <a:cs typeface=""/>
-        <a:font script="Jpan" typeface="ＭＳ Ｐゴシック"/>
-        <a:font script="Hang" typeface="맑은 고딕"/>
-        <a:font script="Hans" typeface="宋体"/>
-        <a:font script="Hant" typeface="新細明體"/>
-        <a:font script="Arab" typeface="Arial"/>
-        <a:font script="Hebr" typeface="Arial"/>
-        <a:font script="Thai" typeface="Cordia New"/>
-        <a:font script="Ethi" typeface="Nyala"/>
-        <a:font script="Beng" typeface="Vrinda"/>
-        <a:font script="Gujr" typeface="Shruti"/>
-        <a:font script="Khmr" typeface="DaunPenh"/>
-        <a:font script="Knda" typeface="Tunga"/>
-        <a:font script="Guru" typeface="Raavi"/>
-        <a:font script="Cans" typeface="Euphemia"/>
-        <a:font script="Cher" typeface="Plantagenet Cherokee"/>
-        <a:font script="Yiii" typeface="Microsoft Yi Baiti"/>
-        <a:font script="Tibt" typeface="Microsoft Himalaya"/>
-        <a:font script="Thaa" typeface="MV Boli"/>
-        <a:font script="Deva" typeface="Mangal"/>
-        <a:font script="Telu" typeface="Gautami"/>
-        <a:font script="Taml" typeface="Latha"/>
-        <a:font script="Syrc" typeface="Estrangelo Edessa"/>
-        <a:font script="Orya" typeface="Kalinga"/>
-        <a:font script="Mlym" typeface="Kartika"/>
-        <a:font script="Laoo" typeface="DokChampa"/>
-        <a:font script="Sinh" typeface="Iskoola Pota"/>
-        <a:font script="Mong" typeface="Mongolian Baiti"/>
-        <a:font script="Viet" typeface="Arial"/>
-        <a:font script="Uigh" typeface="Microsoft Uighur"/>
-        <a:font script="Geor" typeface="Sylfaen"/>
-      </a:minorFont>
-    </a:fontScheme>
-    <a:fmtScheme name="Office">
-      <a:fillStyleLst>
-        <a:solidFill>
-          <a:schemeClr val="phClr"/>
-        </a:solidFill>
-        <a:gradFill rotWithShape="1">
-          <a:gsLst>
-            <a:gs pos="0">
-              <a:schemeClr val="phClr">
-                <a:tint val="50000"/>
-                <a:satMod val="300000"/>
-              </a:schemeClr>
-            </a:gs>
-            <a:gs pos="35000">
-              <a:schemeClr val="phClr">
-                <a:tint val="37000"/>
-                <a:satMod val="300000"/>
-              </a:schemeClr>
-            </a:gs>
-            <a:gs pos="100000">
-              <a:schemeClr val="phClr">
-                <a:tint val="15000"/>
-                <a:satMod val="350000"/>
-              </a:schemeClr>
-            </a:gs>
-          </a:gsLst>
-          <a:lin ang="16200000" scaled="1"/>
-        </a:gradFill>
-        <a:gradFill rotWithShape="1">
-          <a:gsLst>
-            <a:gs pos="0">
-              <a:schemeClr val="phClr">
-                <a:tint val="100000"/>
-                <a:shade val="100000"/>
-                <a:satMod val="130000"/>
-              </a:schemeClr>
-            </a:gs>
-            <a:gs pos="100000">
-              <a:schemeClr val="phClr">
-                <a:tint val="50000"/>
-                <a:shade val="100000"/>
-                <a:satMod val="350000"/>
-              </a:schemeClr>
-            </a:gs>
-          </a:gsLst>
-          <a:lin ang="16200000" scaled="0"/>
-        </a:gradFill>
-      </a:fillStyleLst>
-      <a:lnStyleLst>
-        <a:ln w="9525" cap="flat" cmpd="sng" algn="ctr">
-          <a:solidFill>
-            <a:schemeClr val="phClr">
-              <a:shade val="95000"/>
-              <a:satMod val="105000"/>
-            </a:schemeClr>
-          </a:solidFill>
-          <a:prstDash val="solid"/>
-        </a:ln>
-        <a:ln w="25400" cap="flat" cmpd="sng" algn="ctr">
-          <a:solidFill>
-            <a:schemeClr val="phClr"/>
-          </a:solidFill>
-          <a:prstDash val="solid"/>
-        </a:ln>
-        <a:ln w="38100" cap="flat" cmpd="sng" algn="ctr">
-          <a:solidFill>
-            <a:schemeClr val="phClr"/>
-          </a:solidFill>
-          <a:prstDash val="solid"/>
-        </a:ln>
-      </a:lnStyleLst>
-      <a:effectStyleLst>
-        <a:effectStyle>
-          <a:effectLst>
-            <a:outerShdw blurRad="40000" dist="20000" dir="5400000" rotWithShape="0">
-              <a:srgbClr val="000000">
-                <a:alpha val="38000"/>
-              </a:srgbClr>
-            </a:outerShdw>
-          </a:effectLst>
-        </a:effectStyle>
-        <a:effectStyle>
-          <a:effectLst>
-            <a:outerShdw blurRad="40000" dist="23000" dir="5400000" rotWithShape="0">
-              <a:srgbClr val="000000">
-                <a:alpha val="35000"/>
-              </a:srgbClr>
-            </a:outerShdw>
-          </a:effectLst>
-        </a:effectStyle>
-        <a:effectStyle>
-          <a:effectLst>
-            <a:outerShdw blurRad="40000" dist="23000" dir="5400000" rotWithShape="0">
-              <a:srgbClr val="000000">
-                <a:alpha val="35000"/>
-              </a:srgbClr>
-            </a:outerShdw>
-          </a:effectLst>
-          <a:scene3d>
-            <a:camera prst="orthographicFront">
-              <a:rot lat="0" lon="0" rev="0"/>
-            </a:camera>
-            <a:lightRig rig="threePt" dir="t">
-              <a:rot lat="0" lon="0" rev="1200000"/>
-            </a:lightRig>
-          </a:scene3d>
-          <a:sp3d>
-            <a:bevelT w="63500" h="25400"/>
-          </a:sp3d>
-        </a:effectStyle>
-      </a:effectStyleLst>
-      <a:bgFillStyleLst>
-        <a:solidFill>
-          <a:schemeClr val="phClr"/>
-        </a:solidFill>
-        <a:gradFill rotWithShape="1">
-          <a:gsLst>
-            <a:gs pos="0">
-              <a:schemeClr val="phClr">
-                <a:tint val="40000"/>
-                <a:satMod val="350000"/>
-              </a:schemeClr>
-            </a:gs>
-            <a:gs pos="40000">
-              <a:schemeClr val="phClr">
-                <a:tint val="45000"/>
-                <a:shade val="99000"/>
-                <a:satMod val="350000"/>
-              </a:schemeClr>
-            </a:gs>
-            <a:gs pos="100000">
-              <a:schemeClr val="phClr">
-                <a:shade val="20000"/>
-                <a:satMod val="255000"/>
-              </a:schemeClr>
-            </a:gs>
-          </a:gsLst>
-          <a:path path="circle">
-            <a:fillToRect l="50000" t="-80000" r="50000" b="180000"/>
-          </a:path>
-        </a:gradFill>
-        <a:gradFill rotWithShape="1">
-          <a:gsLst>
-            <a:gs pos="0">
-              <a:schemeClr val="phClr">
-                <a:tint val="80000"/>
-                <a:satMod val="300000"/>
-              </a:schemeClr>
-            </a:gs>
-            <a:gs pos="100000">
-              <a:schemeClr val="phClr">
-                <a:shade val="30000"/>
-                <a:satMod val="200000"/>
-              </a:schemeClr>
-            </a:gs>
-          </a:gsLst>
-          <a:path path="circle">
-            <a:fillToRect l="50000" t="50000" r="50000" b="50000"/>
-          </a:path>
-        </a:gradFill>
-      </a:bgFillStyleLst>
-    </a:fmtScheme>
-  </a:themeElements>
-</a:theme>
 </file>